--- a/Task-1/Cogizance task1.pptx
+++ b/Task-1/Cogizance task1.pptx
@@ -1,28 +1,30 @@
 
 <file path=ppt/presentation.xml><?xml version="1.0" encoding="utf-8"?>
-<p:presentation xmlns:a="http://schemas.openxmlformats.org/drawingml/2006/main" xmlns:r="http://schemas.openxmlformats.org/officeDocument/2006/relationships" xmlns:p="http://schemas.openxmlformats.org/presentationml/2006/main" saveSubsetFonts="1">
+<p:presentation xmlns:a="http://schemas.openxmlformats.org/drawingml/2006/main" xmlns:r="http://schemas.openxmlformats.org/officeDocument/2006/relationships" xmlns:p="http://schemas.openxmlformats.org/presentationml/2006/main">
   <p:sldMasterIdLst>
     <p:sldMasterId id="2147483648" r:id="rId1"/>
   </p:sldMasterIdLst>
   <p:notesMasterIdLst>
-    <p:notesMasterId r:id="rId17"/>
+    <p:notesMasterId r:id="rId9"/>
   </p:notesMasterIdLst>
   <p:sldIdLst>
-    <p:sldId id="256" r:id="rId2"/>
-    <p:sldId id="257" r:id="rId3"/>
-    <p:sldId id="258" r:id="rId4"/>
-    <p:sldId id="259" r:id="rId5"/>
-    <p:sldId id="260" r:id="rId6"/>
-    <p:sldId id="271" r:id="rId7"/>
-    <p:sldId id="270" r:id="rId8"/>
-    <p:sldId id="261" r:id="rId9"/>
-    <p:sldId id="262" r:id="rId10"/>
-    <p:sldId id="263" r:id="rId11"/>
-    <p:sldId id="264" r:id="rId12"/>
-    <p:sldId id="266" r:id="rId13"/>
-    <p:sldId id="267" r:id="rId14"/>
-    <p:sldId id="269" r:id="rId15"/>
-    <p:sldId id="268" r:id="rId16"/>
+    <p:sldId id="282" r:id="rId3"/>
+    <p:sldId id="256" r:id="rId4"/>
+    <p:sldId id="257" r:id="rId5"/>
+    <p:sldId id="258" r:id="rId6"/>
+    <p:sldId id="259" r:id="rId7"/>
+    <p:sldId id="260" r:id="rId8"/>
+    <p:sldId id="271" r:id="rId10"/>
+    <p:sldId id="270" r:id="rId11"/>
+    <p:sldId id="281" r:id="rId12"/>
+    <p:sldId id="261" r:id="rId13"/>
+    <p:sldId id="262" r:id="rId14"/>
+    <p:sldId id="263" r:id="rId15"/>
+    <p:sldId id="264" r:id="rId16"/>
+    <p:sldId id="266" r:id="rId17"/>
+    <p:sldId id="267" r:id="rId18"/>
+    <p:sldId id="269" r:id="rId19"/>
+    <p:sldId id="268" r:id="rId20"/>
   </p:sldIdLst>
   <p:sldSz cx="9144000" cy="6858000" type="screen4x3"/>
   <p:notesSz cx="6858000" cy="9144000"/>
@@ -206,7 +208,6 @@
           <a:p>
             <a:fld id="{170A0E7D-2455-45BE-80F8-A66D8920838E}" type="datetimeFigureOut">
               <a:rPr lang="en-US" smtClean="0"/>
-              <a:t>2/15/2022</a:t>
             </a:fld>
             <a:endParaRPr lang="en-US"/>
           </a:p>
@@ -275,6 +276,7 @@
               <a:rPr lang="en-US" smtClean="0"/>
               <a:t>Click to edit Master text styles</a:t>
             </a:r>
+            <a:endParaRPr lang="en-US" smtClean="0"/>
           </a:p>
           <a:p>
             <a:pPr lvl="1"/>
@@ -282,6 +284,7 @@
               <a:rPr lang="en-US" smtClean="0"/>
               <a:t>Second level</a:t>
             </a:r>
+            <a:endParaRPr lang="en-US" smtClean="0"/>
           </a:p>
           <a:p>
             <a:pPr lvl="2"/>
@@ -289,6 +292,7 @@
               <a:rPr lang="en-US" smtClean="0"/>
               <a:t>Third level</a:t>
             </a:r>
+            <a:endParaRPr lang="en-US" smtClean="0"/>
           </a:p>
           <a:p>
             <a:pPr lvl="3"/>
@@ -296,6 +300,7 @@
               <a:rPr lang="en-US" smtClean="0"/>
               <a:t>Fourth level</a:t>
             </a:r>
+            <a:endParaRPr lang="en-US" smtClean="0"/>
           </a:p>
           <a:p>
             <a:pPr lvl="4"/>
@@ -367,7 +372,6 @@
           <a:p>
             <a:fld id="{564AA028-20E8-4E00-AC8C-2B7F4DC105CF}" type="slidenum">
               <a:rPr lang="en-US" smtClean="0"/>
-              <a:t>‹#›</a:t>
             </a:fld>
             <a:endParaRPr lang="en-US"/>
           </a:p>
@@ -538,7 +542,6 @@
           <a:p>
             <a:fld id="{564AA028-20E8-4E00-AC8C-2B7F4DC105CF}" type="slidenum">
               <a:rPr lang="en-US" smtClean="0"/>
-              <a:t>5</a:t>
             </a:fld>
             <a:endParaRPr lang="en-US"/>
           </a:p>
@@ -733,7 +736,6 @@
           <a:p>
             <a:fld id="{DBAB0127-92D4-46A0-B769-4B92AD35C230}" type="datetimeFigureOut">
               <a:rPr lang="en-US" smtClean="0"/>
-              <a:t>2/15/2022</a:t>
             </a:fld>
             <a:endParaRPr lang="en-US"/>
           </a:p>
@@ -775,7 +777,6 @@
           <a:p>
             <a:fld id="{25FB6A18-F2D9-474A-A27A-91A786609A84}" type="slidenum">
               <a:rPr lang="en-US" smtClean="0"/>
-              <a:t>‹#›</a:t>
             </a:fld>
             <a:endParaRPr lang="en-US"/>
           </a:p>
@@ -849,6 +850,7 @@
               <a:rPr lang="en-US" smtClean="0"/>
               <a:t>Click to edit Master text styles</a:t>
             </a:r>
+            <a:endParaRPr lang="en-US" smtClean="0"/>
           </a:p>
           <a:p>
             <a:pPr lvl="1"/>
@@ -856,6 +858,7 @@
               <a:rPr lang="en-US" smtClean="0"/>
               <a:t>Second level</a:t>
             </a:r>
+            <a:endParaRPr lang="en-US" smtClean="0"/>
           </a:p>
           <a:p>
             <a:pPr lvl="2"/>
@@ -863,6 +866,7 @@
               <a:rPr lang="en-US" smtClean="0"/>
               <a:t>Third level</a:t>
             </a:r>
+            <a:endParaRPr lang="en-US" smtClean="0"/>
           </a:p>
           <a:p>
             <a:pPr lvl="3"/>
@@ -870,6 +874,7 @@
               <a:rPr lang="en-US" smtClean="0"/>
               <a:t>Fourth level</a:t>
             </a:r>
+            <a:endParaRPr lang="en-US" smtClean="0"/>
           </a:p>
           <a:p>
             <a:pPr lvl="4"/>
@@ -898,7 +903,6 @@
           <a:p>
             <a:fld id="{DBAB0127-92D4-46A0-B769-4B92AD35C230}" type="datetimeFigureOut">
               <a:rPr lang="en-US" smtClean="0"/>
-              <a:t>2/15/2022</a:t>
             </a:fld>
             <a:endParaRPr lang="en-US"/>
           </a:p>
@@ -940,7 +944,6 @@
           <a:p>
             <a:fld id="{25FB6A18-F2D9-474A-A27A-91A786609A84}" type="slidenum">
               <a:rPr lang="en-US" smtClean="0"/>
-              <a:t>‹#›</a:t>
             </a:fld>
             <a:endParaRPr lang="en-US"/>
           </a:p>
@@ -1024,6 +1027,7 @@
               <a:rPr lang="en-US" smtClean="0"/>
               <a:t>Click to edit Master text styles</a:t>
             </a:r>
+            <a:endParaRPr lang="en-US" smtClean="0"/>
           </a:p>
           <a:p>
             <a:pPr lvl="1"/>
@@ -1031,6 +1035,7 @@
               <a:rPr lang="en-US" smtClean="0"/>
               <a:t>Second level</a:t>
             </a:r>
+            <a:endParaRPr lang="en-US" smtClean="0"/>
           </a:p>
           <a:p>
             <a:pPr lvl="2"/>
@@ -1038,6 +1043,7 @@
               <a:rPr lang="en-US" smtClean="0"/>
               <a:t>Third level</a:t>
             </a:r>
+            <a:endParaRPr lang="en-US" smtClean="0"/>
           </a:p>
           <a:p>
             <a:pPr lvl="3"/>
@@ -1045,6 +1051,7 @@
               <a:rPr lang="en-US" smtClean="0"/>
               <a:t>Fourth level</a:t>
             </a:r>
+            <a:endParaRPr lang="en-US" smtClean="0"/>
           </a:p>
           <a:p>
             <a:pPr lvl="4"/>
@@ -1073,7 +1080,6 @@
           <a:p>
             <a:fld id="{DBAB0127-92D4-46A0-B769-4B92AD35C230}" type="datetimeFigureOut">
               <a:rPr lang="en-US" smtClean="0"/>
-              <a:t>2/15/2022</a:t>
             </a:fld>
             <a:endParaRPr lang="en-US"/>
           </a:p>
@@ -1115,7 +1121,6 @@
           <a:p>
             <a:fld id="{25FB6A18-F2D9-474A-A27A-91A786609A84}" type="slidenum">
               <a:rPr lang="en-US" smtClean="0"/>
-              <a:t>‹#›</a:t>
             </a:fld>
             <a:endParaRPr lang="en-US"/>
           </a:p>
@@ -1189,6 +1194,7 @@
               <a:rPr lang="en-US" smtClean="0"/>
               <a:t>Click to edit Master text styles</a:t>
             </a:r>
+            <a:endParaRPr lang="en-US" smtClean="0"/>
           </a:p>
           <a:p>
             <a:pPr lvl="1"/>
@@ -1196,6 +1202,7 @@
               <a:rPr lang="en-US" smtClean="0"/>
               <a:t>Second level</a:t>
             </a:r>
+            <a:endParaRPr lang="en-US" smtClean="0"/>
           </a:p>
           <a:p>
             <a:pPr lvl="2"/>
@@ -1203,6 +1210,7 @@
               <a:rPr lang="en-US" smtClean="0"/>
               <a:t>Third level</a:t>
             </a:r>
+            <a:endParaRPr lang="en-US" smtClean="0"/>
           </a:p>
           <a:p>
             <a:pPr lvl="3"/>
@@ -1210,6 +1218,7 @@
               <a:rPr lang="en-US" smtClean="0"/>
               <a:t>Fourth level</a:t>
             </a:r>
+            <a:endParaRPr lang="en-US" smtClean="0"/>
           </a:p>
           <a:p>
             <a:pPr lvl="4"/>
@@ -1238,7 +1247,6 @@
           <a:p>
             <a:fld id="{DBAB0127-92D4-46A0-B769-4B92AD35C230}" type="datetimeFigureOut">
               <a:rPr lang="en-US" smtClean="0"/>
-              <a:t>2/15/2022</a:t>
             </a:fld>
             <a:endParaRPr lang="en-US"/>
           </a:p>
@@ -1280,7 +1288,6 @@
           <a:p>
             <a:fld id="{25FB6A18-F2D9-474A-A27A-91A786609A84}" type="slidenum">
               <a:rPr lang="en-US" smtClean="0"/>
-              <a:t>‹#›</a:t>
             </a:fld>
             <a:endParaRPr lang="en-US"/>
           </a:p>
@@ -1459,6 +1466,7 @@
               <a:rPr lang="en-US" smtClean="0"/>
               <a:t>Click to edit Master text styles</a:t>
             </a:r>
+            <a:endParaRPr lang="en-US" smtClean="0"/>
           </a:p>
         </p:txBody>
       </p:sp>
@@ -1479,7 +1487,6 @@
           <a:p>
             <a:fld id="{DBAB0127-92D4-46A0-B769-4B92AD35C230}" type="datetimeFigureOut">
               <a:rPr lang="en-US" smtClean="0"/>
-              <a:t>2/15/2022</a:t>
             </a:fld>
             <a:endParaRPr lang="en-US"/>
           </a:p>
@@ -1521,7 +1528,6 @@
           <a:p>
             <a:fld id="{25FB6A18-F2D9-474A-A27A-91A786609A84}" type="slidenum">
               <a:rPr lang="en-US" smtClean="0"/>
-              <a:t>‹#›</a:t>
             </a:fld>
             <a:endParaRPr lang="en-US"/>
           </a:p>
@@ -1628,6 +1634,7 @@
               <a:rPr lang="en-US" smtClean="0"/>
               <a:t>Click to edit Master text styles</a:t>
             </a:r>
+            <a:endParaRPr lang="en-US" smtClean="0"/>
           </a:p>
           <a:p>
             <a:pPr lvl="1"/>
@@ -1635,6 +1642,7 @@
               <a:rPr lang="en-US" smtClean="0"/>
               <a:t>Second level</a:t>
             </a:r>
+            <a:endParaRPr lang="en-US" smtClean="0"/>
           </a:p>
           <a:p>
             <a:pPr lvl="2"/>
@@ -1642,6 +1650,7 @@
               <a:rPr lang="en-US" smtClean="0"/>
               <a:t>Third level</a:t>
             </a:r>
+            <a:endParaRPr lang="en-US" smtClean="0"/>
           </a:p>
           <a:p>
             <a:pPr lvl="3"/>
@@ -1649,6 +1658,7 @@
               <a:rPr lang="en-US" smtClean="0"/>
               <a:t>Fourth level</a:t>
             </a:r>
+            <a:endParaRPr lang="en-US" smtClean="0"/>
           </a:p>
           <a:p>
             <a:pPr lvl="4"/>
@@ -1713,6 +1723,7 @@
               <a:rPr lang="en-US" smtClean="0"/>
               <a:t>Click to edit Master text styles</a:t>
             </a:r>
+            <a:endParaRPr lang="en-US" smtClean="0"/>
           </a:p>
           <a:p>
             <a:pPr lvl="1"/>
@@ -1720,6 +1731,7 @@
               <a:rPr lang="en-US" smtClean="0"/>
               <a:t>Second level</a:t>
             </a:r>
+            <a:endParaRPr lang="en-US" smtClean="0"/>
           </a:p>
           <a:p>
             <a:pPr lvl="2"/>
@@ -1727,6 +1739,7 @@
               <a:rPr lang="en-US" smtClean="0"/>
               <a:t>Third level</a:t>
             </a:r>
+            <a:endParaRPr lang="en-US" smtClean="0"/>
           </a:p>
           <a:p>
             <a:pPr lvl="3"/>
@@ -1734,6 +1747,7 @@
               <a:rPr lang="en-US" smtClean="0"/>
               <a:t>Fourth level</a:t>
             </a:r>
+            <a:endParaRPr lang="en-US" smtClean="0"/>
           </a:p>
           <a:p>
             <a:pPr lvl="4"/>
@@ -1762,7 +1776,6 @@
           <a:p>
             <a:fld id="{DBAB0127-92D4-46A0-B769-4B92AD35C230}" type="datetimeFigureOut">
               <a:rPr lang="en-US" smtClean="0"/>
-              <a:t>2/15/2022</a:t>
             </a:fld>
             <a:endParaRPr lang="en-US"/>
           </a:p>
@@ -1804,7 +1817,6 @@
           <a:p>
             <a:fld id="{25FB6A18-F2D9-474A-A27A-91A786609A84}" type="slidenum">
               <a:rPr lang="en-US" smtClean="0"/>
-              <a:t>‹#›</a:t>
             </a:fld>
             <a:endParaRPr lang="en-US"/>
           </a:p>
@@ -1924,6 +1936,7 @@
               <a:rPr lang="en-US" smtClean="0"/>
               <a:t>Click to edit Master text styles</a:t>
             </a:r>
+            <a:endParaRPr lang="en-US" smtClean="0"/>
           </a:p>
         </p:txBody>
       </p:sp>
@@ -1980,6 +1993,7 @@
               <a:rPr lang="en-US" smtClean="0"/>
               <a:t>Click to edit Master text styles</a:t>
             </a:r>
+            <a:endParaRPr lang="en-US" smtClean="0"/>
           </a:p>
           <a:p>
             <a:pPr lvl="1"/>
@@ -1987,6 +2001,7 @@
               <a:rPr lang="en-US" smtClean="0"/>
               <a:t>Second level</a:t>
             </a:r>
+            <a:endParaRPr lang="en-US" smtClean="0"/>
           </a:p>
           <a:p>
             <a:pPr lvl="2"/>
@@ -1994,6 +2009,7 @@
               <a:rPr lang="en-US" smtClean="0"/>
               <a:t>Third level</a:t>
             </a:r>
+            <a:endParaRPr lang="en-US" smtClean="0"/>
           </a:p>
           <a:p>
             <a:pPr lvl="3"/>
@@ -2001,6 +2017,7 @@
               <a:rPr lang="en-US" smtClean="0"/>
               <a:t>Fourth level</a:t>
             </a:r>
+            <a:endParaRPr lang="en-US" smtClean="0"/>
           </a:p>
           <a:p>
             <a:pPr lvl="4"/>
@@ -2074,6 +2091,7 @@
               <a:rPr lang="en-US" smtClean="0"/>
               <a:t>Click to edit Master text styles</a:t>
             </a:r>
+            <a:endParaRPr lang="en-US" smtClean="0"/>
           </a:p>
         </p:txBody>
       </p:sp>
@@ -2130,6 +2148,7 @@
               <a:rPr lang="en-US" smtClean="0"/>
               <a:t>Click to edit Master text styles</a:t>
             </a:r>
+            <a:endParaRPr lang="en-US" smtClean="0"/>
           </a:p>
           <a:p>
             <a:pPr lvl="1"/>
@@ -2137,6 +2156,7 @@
               <a:rPr lang="en-US" smtClean="0"/>
               <a:t>Second level</a:t>
             </a:r>
+            <a:endParaRPr lang="en-US" smtClean="0"/>
           </a:p>
           <a:p>
             <a:pPr lvl="2"/>
@@ -2144,6 +2164,7 @@
               <a:rPr lang="en-US" smtClean="0"/>
               <a:t>Third level</a:t>
             </a:r>
+            <a:endParaRPr lang="en-US" smtClean="0"/>
           </a:p>
           <a:p>
             <a:pPr lvl="3"/>
@@ -2151,6 +2172,7 @@
               <a:rPr lang="en-US" smtClean="0"/>
               <a:t>Fourth level</a:t>
             </a:r>
+            <a:endParaRPr lang="en-US" smtClean="0"/>
           </a:p>
           <a:p>
             <a:pPr lvl="4"/>
@@ -2179,7 +2201,6 @@
           <a:p>
             <a:fld id="{DBAB0127-92D4-46A0-B769-4B92AD35C230}" type="datetimeFigureOut">
               <a:rPr lang="en-US" smtClean="0"/>
-              <a:t>2/15/2022</a:t>
             </a:fld>
             <a:endParaRPr lang="en-US"/>
           </a:p>
@@ -2221,7 +2242,6 @@
           <a:p>
             <a:fld id="{25FB6A18-F2D9-474A-A27A-91A786609A84}" type="slidenum">
               <a:rPr lang="en-US" smtClean="0"/>
-              <a:t>‹#›</a:t>
             </a:fld>
             <a:endParaRPr lang="en-US"/>
           </a:p>
@@ -2292,7 +2312,6 @@
           <a:p>
             <a:fld id="{DBAB0127-92D4-46A0-B769-4B92AD35C230}" type="datetimeFigureOut">
               <a:rPr lang="en-US" smtClean="0"/>
-              <a:t>2/15/2022</a:t>
             </a:fld>
             <a:endParaRPr lang="en-US"/>
           </a:p>
@@ -2334,7 +2353,6 @@
           <a:p>
             <a:fld id="{25FB6A18-F2D9-474A-A27A-91A786609A84}" type="slidenum">
               <a:rPr lang="en-US" smtClean="0"/>
-              <a:t>‹#›</a:t>
             </a:fld>
             <a:endParaRPr lang="en-US"/>
           </a:p>
@@ -2382,7 +2400,6 @@
           <a:p>
             <a:fld id="{DBAB0127-92D4-46A0-B769-4B92AD35C230}" type="datetimeFigureOut">
               <a:rPr lang="en-US" smtClean="0"/>
-              <a:t>2/15/2022</a:t>
             </a:fld>
             <a:endParaRPr lang="en-US"/>
           </a:p>
@@ -2424,7 +2441,6 @@
           <a:p>
             <a:fld id="{25FB6A18-F2D9-474A-A27A-91A786609A84}" type="slidenum">
               <a:rPr lang="en-US" smtClean="0"/>
-              <a:t>‹#›</a:t>
             </a:fld>
             <a:endParaRPr lang="en-US"/>
           </a:p>
@@ -2540,6 +2556,7 @@
               <a:rPr lang="en-US" smtClean="0"/>
               <a:t>Click to edit Master text styles</a:t>
             </a:r>
+            <a:endParaRPr lang="en-US" smtClean="0"/>
           </a:p>
           <a:p>
             <a:pPr lvl="1"/>
@@ -2547,6 +2564,7 @@
               <a:rPr lang="en-US" smtClean="0"/>
               <a:t>Second level</a:t>
             </a:r>
+            <a:endParaRPr lang="en-US" smtClean="0"/>
           </a:p>
           <a:p>
             <a:pPr lvl="2"/>
@@ -2554,6 +2572,7 @@
               <a:rPr lang="en-US" smtClean="0"/>
               <a:t>Third level</a:t>
             </a:r>
+            <a:endParaRPr lang="en-US" smtClean="0"/>
           </a:p>
           <a:p>
             <a:pPr lvl="3"/>
@@ -2561,6 +2580,7 @@
               <a:rPr lang="en-US" smtClean="0"/>
               <a:t>Fourth level</a:t>
             </a:r>
+            <a:endParaRPr lang="en-US" smtClean="0"/>
           </a:p>
           <a:p>
             <a:pPr lvl="4"/>
@@ -2634,6 +2654,7 @@
               <a:rPr lang="en-US" smtClean="0"/>
               <a:t>Click to edit Master text styles</a:t>
             </a:r>
+            <a:endParaRPr lang="en-US" smtClean="0"/>
           </a:p>
         </p:txBody>
       </p:sp>
@@ -2654,7 +2675,6 @@
           <a:p>
             <a:fld id="{DBAB0127-92D4-46A0-B769-4B92AD35C230}" type="datetimeFigureOut">
               <a:rPr lang="en-US" smtClean="0"/>
-              <a:t>2/15/2022</a:t>
             </a:fld>
             <a:endParaRPr lang="en-US"/>
           </a:p>
@@ -2696,7 +2716,6 @@
           <a:p>
             <a:fld id="{25FB6A18-F2D9-474A-A27A-91A786609A84}" type="slidenum">
               <a:rPr lang="en-US" smtClean="0"/>
-              <a:t>‹#›</a:t>
             </a:fld>
             <a:endParaRPr lang="en-US"/>
           </a:p>
@@ -2882,6 +2901,7 @@
               <a:rPr lang="en-US" smtClean="0"/>
               <a:t>Click to edit Master text styles</a:t>
             </a:r>
+            <a:endParaRPr lang="en-US" smtClean="0"/>
           </a:p>
         </p:txBody>
       </p:sp>
@@ -2902,7 +2922,6 @@
           <a:p>
             <a:fld id="{DBAB0127-92D4-46A0-B769-4B92AD35C230}" type="datetimeFigureOut">
               <a:rPr lang="en-US" smtClean="0"/>
-              <a:t>2/15/2022</a:t>
             </a:fld>
             <a:endParaRPr lang="en-US"/>
           </a:p>
@@ -2944,7 +2963,6 @@
           <a:p>
             <a:fld id="{25FB6A18-F2D9-474A-A27A-91A786609A84}" type="slidenum">
               <a:rPr lang="en-US" smtClean="0"/>
-              <a:t>‹#›</a:t>
             </a:fld>
             <a:endParaRPr lang="en-US"/>
           </a:p>
@@ -2964,7 +2982,7 @@
     <p:bg>
       <p:bgPr>
         <a:blipFill dpi="0" rotWithShape="1">
-          <a:blip r:embed="rId13" cstate="print">
+          <a:blip r:embed="rId12" cstate="print">
             <a:lum/>
           </a:blip>
           <a:srcRect/>
@@ -3052,6 +3070,7 @@
               <a:rPr lang="en-US" smtClean="0"/>
               <a:t>Click to edit Master text styles</a:t>
             </a:r>
+            <a:endParaRPr lang="en-US" smtClean="0"/>
           </a:p>
           <a:p>
             <a:pPr lvl="1"/>
@@ -3059,6 +3078,7 @@
               <a:rPr lang="en-US" smtClean="0"/>
               <a:t>Second level</a:t>
             </a:r>
+            <a:endParaRPr lang="en-US" smtClean="0"/>
           </a:p>
           <a:p>
             <a:pPr lvl="2"/>
@@ -3066,6 +3086,7 @@
               <a:rPr lang="en-US" smtClean="0"/>
               <a:t>Third level</a:t>
             </a:r>
+            <a:endParaRPr lang="en-US" smtClean="0"/>
           </a:p>
           <a:p>
             <a:pPr lvl="3"/>
@@ -3073,6 +3094,7 @@
               <a:rPr lang="en-US" smtClean="0"/>
               <a:t>Fourth level</a:t>
             </a:r>
+            <a:endParaRPr lang="en-US" smtClean="0"/>
           </a:p>
           <a:p>
             <a:pPr lvl="4"/>
@@ -3119,7 +3141,6 @@
           <a:p>
             <a:fld id="{DBAB0127-92D4-46A0-B769-4B92AD35C230}" type="datetimeFigureOut">
               <a:rPr lang="en-US" smtClean="0"/>
-              <a:t>2/15/2022</a:t>
             </a:fld>
             <a:endParaRPr lang="en-US"/>
           </a:p>
@@ -3197,7 +3218,6 @@
           <a:p>
             <a:fld id="{25FB6A18-F2D9-474A-A27A-91A786609A84}" type="slidenum">
               <a:rPr lang="en-US" smtClean="0"/>
-              <a:t>‹#›</a:t>
             </a:fld>
             <a:endParaRPr lang="en-US"/>
           </a:p>
@@ -3241,7 +3261,7 @@
         <a:spcBef>
           <a:spcPct val="20000"/>
         </a:spcBef>
-        <a:buFont typeface="Arial" pitchFamily="34" charset="0"/>
+        <a:buFont typeface="Arial" panose="020B0604020202020204" pitchFamily="34" charset="0"/>
         <a:buChar char="•"/>
         <a:defRPr sz="3200" kern="1200">
           <a:solidFill>
@@ -3256,7 +3276,7 @@
         <a:spcBef>
           <a:spcPct val="20000"/>
         </a:spcBef>
-        <a:buFont typeface="Arial" pitchFamily="34" charset="0"/>
+        <a:buFont typeface="Arial" panose="020B0604020202020204" pitchFamily="34" charset="0"/>
         <a:buChar char="–"/>
         <a:defRPr sz="2800" kern="1200">
           <a:solidFill>
@@ -3271,7 +3291,7 @@
         <a:spcBef>
           <a:spcPct val="20000"/>
         </a:spcBef>
-        <a:buFont typeface="Arial" pitchFamily="34" charset="0"/>
+        <a:buFont typeface="Arial" panose="020B0604020202020204" pitchFamily="34" charset="0"/>
         <a:buChar char="•"/>
         <a:defRPr sz="2400" kern="1200">
           <a:solidFill>
@@ -3286,7 +3306,7 @@
         <a:spcBef>
           <a:spcPct val="20000"/>
         </a:spcBef>
-        <a:buFont typeface="Arial" pitchFamily="34" charset="0"/>
+        <a:buFont typeface="Arial" panose="020B0604020202020204" pitchFamily="34" charset="0"/>
         <a:buChar char="–"/>
         <a:defRPr sz="2000" kern="1200">
           <a:solidFill>
@@ -3301,7 +3321,7 @@
         <a:spcBef>
           <a:spcPct val="20000"/>
         </a:spcBef>
-        <a:buFont typeface="Arial" pitchFamily="34" charset="0"/>
+        <a:buFont typeface="Arial" panose="020B0604020202020204" pitchFamily="34" charset="0"/>
         <a:buChar char="»"/>
         <a:defRPr sz="2000" kern="1200">
           <a:solidFill>
@@ -3316,7 +3336,7 @@
         <a:spcBef>
           <a:spcPct val="20000"/>
         </a:spcBef>
-        <a:buFont typeface="Arial" pitchFamily="34" charset="0"/>
+        <a:buFont typeface="Arial" panose="020B0604020202020204" pitchFamily="34" charset="0"/>
         <a:buChar char="•"/>
         <a:defRPr sz="2000" kern="1200">
           <a:solidFill>
@@ -3331,7 +3351,7 @@
         <a:spcBef>
           <a:spcPct val="20000"/>
         </a:spcBef>
-        <a:buFont typeface="Arial" pitchFamily="34" charset="0"/>
+        <a:buFont typeface="Arial" panose="020B0604020202020204" pitchFamily="34" charset="0"/>
         <a:buChar char="•"/>
         <a:defRPr sz="2000" kern="1200">
           <a:solidFill>
@@ -3346,7 +3366,7 @@
         <a:spcBef>
           <a:spcPct val="20000"/>
         </a:spcBef>
-        <a:buFont typeface="Arial" pitchFamily="34" charset="0"/>
+        <a:buFont typeface="Arial" panose="020B0604020202020204" pitchFamily="34" charset="0"/>
         <a:buChar char="•"/>
         <a:defRPr sz="2000" kern="1200">
           <a:solidFill>
@@ -3361,7 +3381,7 @@
         <a:spcBef>
           <a:spcPct val="20000"/>
         </a:spcBef>
-        <a:buFont typeface="Arial" pitchFamily="34" charset="0"/>
+        <a:buFont typeface="Arial" panose="020B0604020202020204" pitchFamily="34" charset="0"/>
         <a:buChar char="•"/>
         <a:defRPr sz="2000" kern="1200">
           <a:solidFill>
@@ -3475,30 +3495,35 @@
 <file path=ppt/slides/slide1.xml><?xml version="1.0" encoding="utf-8"?>
 <p:sld xmlns:a="http://schemas.openxmlformats.org/drawingml/2006/main" xmlns:r="http://schemas.openxmlformats.org/officeDocument/2006/relationships" xmlns:p="http://schemas.openxmlformats.org/presentationml/2006/main">
   <p:cSld>
+    <p:bg>
+      <p:bgPr>
+        <a:blipFill dpi="0" rotWithShape="1">
+          <a:blip r:embed="rId1" cstate="print"/>
+          <a:srcRect/>
+          <a:stretch>
+            <a:fillRect l="-26000" t="-25000" r="-26000" b="-25000"/>
+          </a:stretch>
+        </a:blipFill>
+        <a:effectLst/>
+      </p:bgPr>
+    </p:bg>
     <p:spTree>
       <p:nvGrpSpPr>
         <p:cNvPr id="1" name=""/>
         <p:cNvGrpSpPr/>
         <p:nvPr/>
       </p:nvGrpSpPr>
-      <p:grpSpPr>
-        <a:xfrm>
-          <a:off x="0" y="0"/>
-          <a:ext cx="0" cy="0"/>
-          <a:chOff x="0" y="0"/>
-          <a:chExt cx="0" cy="0"/>
-        </a:xfrm>
-      </p:grpSpPr>
-      <p:sp>
-        <p:nvSpPr>
-          <p:cNvPr id="4" name="TextBox 3"/>
+      <p:grpSpPr/>
+      <p:sp>
+        <p:nvSpPr>
+          <p:cNvPr id="5" name="TextBox 3"/>
           <p:cNvSpPr txBox="1"/>
           <p:nvPr/>
         </p:nvSpPr>
         <p:spPr>
           <a:xfrm>
-            <a:off x="2286000" y="0"/>
-            <a:ext cx="4572000" cy="1323439"/>
+            <a:off x="2590800" y="1850390"/>
+            <a:ext cx="6858000" cy="1938020"/>
           </a:xfrm>
           <a:prstGeom prst="rect">
             <a:avLst/>
@@ -3509,107 +3534,59 @@
           <a:bodyPr wrap="square" rtlCol="0">
             <a:spAutoFit/>
           </a:bodyPr>
-          <a:lstStyle/>
-          <a:p>
-            <a:pPr algn="ctr"/>
-            <a:r>
-              <a:rPr lang="en-US" sz="4000" b="1" dirty="0" smtClean="0">
+          <a:p>
+            <a:pPr algn="l"/>
+            <a:r>
+              <a:rPr lang="en-US" sz="4000" b="1" dirty="0">
                 <a:solidFill>
                   <a:schemeClr val="bg1"/>
                 </a:solidFill>
-                <a:latin typeface="Algerian" pitchFamily="82" charset="0"/>
+                <a:latin typeface="Algerian" panose="04020705040A02060702" pitchFamily="82" charset="0"/>
               </a:rPr>
-              <a:t>Creating Directory </a:t>
+              <a:t>NAME : S.Sidesh sundar</a:t>
             </a:r>
             <a:endParaRPr lang="en-US" sz="4000" b="1" dirty="0">
               <a:solidFill>
                 <a:schemeClr val="bg1"/>
               </a:solidFill>
-              <a:latin typeface="Algerian" pitchFamily="82" charset="0"/>
+              <a:latin typeface="Algerian" panose="04020705040A02060702" pitchFamily="82" charset="0"/>
             </a:endParaRPr>
           </a:p>
-        </p:txBody>
-      </p:sp>
-      <p:pic>
-        <p:nvPicPr>
-          <p:cNvPr id="5" name="Picture 4" descr="creating.png"/>
-          <p:cNvPicPr>
-            <a:picLocks noChangeAspect="1"/>
-          </p:cNvPicPr>
-          <p:nvPr/>
-        </p:nvPicPr>
-        <p:blipFill>
-          <a:blip r:embed="rId2" cstate="print"/>
-          <a:stretch>
-            <a:fillRect/>
-          </a:stretch>
-        </p:blipFill>
-        <p:spPr>
-          <a:xfrm>
-            <a:off x="2066575" y="1676400"/>
-            <a:ext cx="5010850" cy="1495634"/>
-          </a:xfrm>
-          <a:prstGeom prst="rect">
-            <a:avLst/>
-          </a:prstGeom>
-        </p:spPr>
-      </p:pic>
-      <p:pic>
-        <p:nvPicPr>
-          <p:cNvPr id="6" name="Picture 5" descr="remote.png"/>
-          <p:cNvPicPr>
-            <a:picLocks noChangeAspect="1"/>
-          </p:cNvPicPr>
-          <p:nvPr/>
-        </p:nvPicPr>
-        <p:blipFill>
-          <a:blip r:embed="rId3" cstate="print"/>
-          <a:stretch>
-            <a:fillRect/>
-          </a:stretch>
-        </p:blipFill>
-        <p:spPr>
-          <a:xfrm>
-            <a:off x="2209800" y="4876651"/>
-            <a:ext cx="4725060" cy="1066949"/>
-          </a:xfrm>
-          <a:prstGeom prst="rect">
-            <a:avLst/>
-          </a:prstGeom>
-        </p:spPr>
-      </p:pic>
-      <p:sp>
-        <p:nvSpPr>
-          <p:cNvPr id="7" name="TextBox 6"/>
-          <p:cNvSpPr txBox="1"/>
-          <p:nvPr/>
-        </p:nvSpPr>
-        <p:spPr>
-          <a:xfrm>
-            <a:off x="2400300" y="3505200"/>
-            <a:ext cx="4343400" cy="1323439"/>
-          </a:xfrm>
-          <a:prstGeom prst="rect">
-            <a:avLst/>
-          </a:prstGeom>
-          <a:noFill/>
-        </p:spPr>
-        <p:txBody>
-          <a:bodyPr wrap="square" rtlCol="0">
-            <a:spAutoFit/>
-          </a:bodyPr>
-          <a:lstStyle/>
-          <a:p>
-            <a:pPr algn="ctr"/>
+          <a:p>
+            <a:pPr algn="l"/>
             <a:r>
               <a:rPr lang="en-US" sz="4000" b="1" dirty="0">
                 <a:solidFill>
                   <a:schemeClr val="bg1"/>
                 </a:solidFill>
-                <a:latin typeface="Algerian" pitchFamily="82" charset="0"/>
+                <a:latin typeface="Algerian" panose="04020705040A02060702" pitchFamily="82" charset="0"/>
               </a:rPr>
-              <a:t>Connecting to Server</a:t>
-            </a:r>
+              <a:t>class : aie-b</a:t>
+            </a:r>
+            <a:endParaRPr lang="en-US" sz="4000" b="1" dirty="0">
+              <a:solidFill>
+                <a:schemeClr val="bg1"/>
+              </a:solidFill>
+              <a:latin typeface="Algerian" panose="04020705040A02060702" pitchFamily="82" charset="0"/>
+            </a:endParaRPr>
+          </a:p>
+          <a:p>
+            <a:pPr algn="l"/>
+            <a:r>
+              <a:rPr lang="en-US" sz="4000" b="1" dirty="0">
+                <a:solidFill>
+                  <a:schemeClr val="bg1"/>
+                </a:solidFill>
+                <a:latin typeface="Algerian" panose="04020705040A02060702" pitchFamily="82" charset="0"/>
+              </a:rPr>
+              <a:t>roll no : 21150</a:t>
+            </a:r>
+            <a:endParaRPr lang="en-US" sz="4000" b="1" dirty="0">
+              <a:solidFill>
+                <a:schemeClr val="bg1"/>
+              </a:solidFill>
+              <a:latin typeface="Algerian" panose="04020705040A02060702" pitchFamily="82" charset="0"/>
+            </a:endParaRPr>
           </a:p>
         </p:txBody>
       </p:sp>
@@ -3618,13 +3595,6 @@
   <p:clrMapOvr>
     <a:masterClrMapping/>
   </p:clrMapOvr>
-  <p:timing>
-    <p:tnLst>
-      <p:par>
-        <p:cTn id="1" dur="indefinite" restart="never" nodeType="tmRoot"/>
-      </p:par>
-    </p:tnLst>
-  </p:timing>
 </p:sld>
 </file>
 
@@ -3673,7 +3643,7 @@
                 <a:solidFill>
                   <a:schemeClr val="bg1"/>
                 </a:solidFill>
-                <a:latin typeface="Algerian" pitchFamily="82" charset="0"/>
+                <a:latin typeface="Algerian" panose="04020705040A02060702" pitchFamily="82" charset="0"/>
               </a:rPr>
               <a:t>Git</a:t>
             </a:r>
@@ -3682,37 +3652,37 @@
                 <a:solidFill>
                   <a:schemeClr val="bg1"/>
                 </a:solidFill>
-                <a:latin typeface="Algerian" pitchFamily="82" charset="0"/>
+                <a:latin typeface="Algerian" panose="04020705040A02060702" pitchFamily="82" charset="0"/>
               </a:rPr>
-              <a:t> push</a:t>
+              <a:t> merge</a:t>
             </a:r>
             <a:endParaRPr lang="en-US" sz="4000" b="1" dirty="0">
               <a:solidFill>
                 <a:schemeClr val="bg1"/>
               </a:solidFill>
-              <a:latin typeface="Algerian" pitchFamily="82" charset="0"/>
+              <a:latin typeface="Algerian" panose="04020705040A02060702" pitchFamily="82" charset="0"/>
             </a:endParaRPr>
           </a:p>
         </p:txBody>
       </p:sp>
       <p:pic>
         <p:nvPicPr>
-          <p:cNvPr id="3" name="Picture 2" descr="push.png"/>
+          <p:cNvPr id="3" name="Picture 2" descr="merge.png"/>
           <p:cNvPicPr>
             <a:picLocks noChangeAspect="1"/>
           </p:cNvPicPr>
           <p:nvPr/>
         </p:nvPicPr>
         <p:blipFill>
-          <a:blip r:embed="rId2" cstate="print"/>
+          <a:blip r:embed="rId1" cstate="print"/>
           <a:stretch>
             <a:fillRect/>
           </a:stretch>
         </p:blipFill>
         <p:spPr>
           <a:xfrm>
-            <a:off x="2180891" y="2061971"/>
-            <a:ext cx="4782218" cy="2734057"/>
+            <a:off x="2100147" y="2057336"/>
+            <a:ext cx="4943706" cy="2743328"/>
           </a:xfrm>
           <a:prstGeom prst="rect">
             <a:avLst/>
@@ -3779,7 +3749,7 @@
                 <a:solidFill>
                   <a:schemeClr val="bg1"/>
                 </a:solidFill>
-                <a:latin typeface="Algerian" pitchFamily="82" charset="0"/>
+                <a:latin typeface="Algerian" panose="04020705040A02060702" pitchFamily="82" charset="0"/>
               </a:rPr>
               <a:t>Git</a:t>
             </a:r>
@@ -3788,37 +3758,37 @@
                 <a:solidFill>
                   <a:schemeClr val="bg1"/>
                 </a:solidFill>
-                <a:latin typeface="Algerian" pitchFamily="82" charset="0"/>
+                <a:latin typeface="Algerian" panose="04020705040A02060702" pitchFamily="82" charset="0"/>
               </a:rPr>
-              <a:t> reset</a:t>
+              <a:t> pull</a:t>
             </a:r>
             <a:endParaRPr lang="en-US" sz="4000" b="1" dirty="0">
               <a:solidFill>
                 <a:schemeClr val="bg1"/>
               </a:solidFill>
-              <a:latin typeface="Algerian" pitchFamily="82" charset="0"/>
+              <a:latin typeface="Algerian" panose="04020705040A02060702" pitchFamily="82" charset="0"/>
             </a:endParaRPr>
           </a:p>
         </p:txBody>
       </p:sp>
       <p:pic>
         <p:nvPicPr>
-          <p:cNvPr id="3" name="Picture 2" descr="reset.png"/>
+          <p:cNvPr id="3" name="Picture 2" descr="pull1.png"/>
           <p:cNvPicPr>
             <a:picLocks noChangeAspect="1"/>
           </p:cNvPicPr>
           <p:nvPr/>
         </p:nvPicPr>
         <p:blipFill>
-          <a:blip r:embed="rId2" cstate="print"/>
+          <a:blip r:embed="rId1" cstate="print"/>
           <a:stretch>
             <a:fillRect/>
           </a:stretch>
         </p:blipFill>
         <p:spPr>
           <a:xfrm>
-            <a:off x="1250158" y="2857500"/>
-            <a:ext cx="6643685" cy="1143000"/>
+            <a:off x="990600" y="1981200"/>
+            <a:ext cx="7245432" cy="2409928"/>
           </a:xfrm>
           <a:prstGeom prst="rect">
             <a:avLst/>
@@ -3885,7 +3855,7 @@
                 <a:solidFill>
                   <a:schemeClr val="bg1"/>
                 </a:solidFill>
-                <a:latin typeface="Algerian" pitchFamily="82" charset="0"/>
+                <a:latin typeface="Algerian" panose="04020705040A02060702" pitchFamily="82" charset="0"/>
               </a:rPr>
               <a:t>Git</a:t>
             </a:r>
@@ -3894,37 +3864,37 @@
                 <a:solidFill>
                   <a:schemeClr val="bg1"/>
                 </a:solidFill>
-                <a:latin typeface="Algerian" pitchFamily="82" charset="0"/>
+                <a:latin typeface="Algerian" panose="04020705040A02060702" pitchFamily="82" charset="0"/>
               </a:rPr>
-              <a:t> Rebase</a:t>
+              <a:t> push</a:t>
             </a:r>
             <a:endParaRPr lang="en-US" sz="4000" b="1" dirty="0">
               <a:solidFill>
                 <a:schemeClr val="bg1"/>
               </a:solidFill>
-              <a:latin typeface="Algerian" pitchFamily="82" charset="0"/>
+              <a:latin typeface="Algerian" panose="04020705040A02060702" pitchFamily="82" charset="0"/>
             </a:endParaRPr>
           </a:p>
         </p:txBody>
       </p:sp>
       <p:pic>
         <p:nvPicPr>
-          <p:cNvPr id="3" name="Picture 2" descr="rebase.png"/>
+          <p:cNvPr id="3" name="Picture 2" descr="push.png"/>
           <p:cNvPicPr>
             <a:picLocks noChangeAspect="1"/>
           </p:cNvPicPr>
           <p:nvPr/>
         </p:nvPicPr>
         <p:blipFill>
-          <a:blip r:embed="rId2" cstate="print"/>
+          <a:blip r:embed="rId1" cstate="print"/>
           <a:stretch>
             <a:fillRect/>
           </a:stretch>
         </p:blipFill>
         <p:spPr>
           <a:xfrm>
-            <a:off x="789398" y="2345476"/>
-            <a:ext cx="7565205" cy="2167048"/>
+            <a:off x="1208405" y="1828800"/>
+            <a:ext cx="6727190" cy="3846195"/>
           </a:xfrm>
           <a:prstGeom prst="rect">
             <a:avLst/>
@@ -3991,7 +3961,7 @@
                 <a:solidFill>
                   <a:schemeClr val="bg1"/>
                 </a:solidFill>
-                <a:latin typeface="Algerian" pitchFamily="82" charset="0"/>
+                <a:latin typeface="Algerian" panose="04020705040A02060702" pitchFamily="82" charset="0"/>
               </a:rPr>
               <a:t>Git</a:t>
             </a:r>
@@ -4000,37 +3970,37 @@
                 <a:solidFill>
                   <a:schemeClr val="bg1"/>
                 </a:solidFill>
-                <a:latin typeface="Algerian" pitchFamily="82" charset="0"/>
+                <a:latin typeface="Algerian" panose="04020705040A02060702" pitchFamily="82" charset="0"/>
               </a:rPr>
-              <a:t> fork</a:t>
+              <a:t> reset</a:t>
             </a:r>
             <a:endParaRPr lang="en-US" sz="4000" b="1" dirty="0">
               <a:solidFill>
                 <a:schemeClr val="bg1"/>
               </a:solidFill>
-              <a:latin typeface="Algerian" pitchFamily="82" charset="0"/>
+              <a:latin typeface="Algerian" panose="04020705040A02060702" pitchFamily="82" charset="0"/>
             </a:endParaRPr>
           </a:p>
         </p:txBody>
       </p:sp>
       <p:pic>
         <p:nvPicPr>
-          <p:cNvPr id="3" name="Picture 2" descr="fork1.png"/>
+          <p:cNvPr id="3" name="Picture 2" descr="reset.png"/>
           <p:cNvPicPr>
             <a:picLocks noChangeAspect="1"/>
           </p:cNvPicPr>
           <p:nvPr/>
         </p:nvPicPr>
         <p:blipFill>
-          <a:blip r:embed="rId2" cstate="print"/>
+          <a:blip r:embed="rId1" cstate="print"/>
           <a:stretch>
             <a:fillRect/>
           </a:stretch>
         </p:blipFill>
         <p:spPr>
           <a:xfrm>
-            <a:off x="6553200" y="5562600"/>
-            <a:ext cx="2391109" cy="1076475"/>
+            <a:off x="1295243" y="1447800"/>
+            <a:ext cx="6643685" cy="1143000"/>
           </a:xfrm>
           <a:prstGeom prst="rect">
             <a:avLst/>
@@ -4039,46 +4009,24 @@
       </p:pic>
       <p:pic>
         <p:nvPicPr>
-          <p:cNvPr id="4" name="Picture 3" descr="frok3.png"/>
+          <p:cNvPr id="7" name="Content Placeholder 6" descr="reset2"/>
           <p:cNvPicPr>
             <a:picLocks noChangeAspect="1"/>
           </p:cNvPicPr>
-          <p:nvPr/>
+          <p:nvPr>
+            <p:ph idx="1"/>
+          </p:nvPr>
         </p:nvPicPr>
         <p:blipFill>
-          <a:blip r:embed="rId3" cstate="print"/>
+          <a:blip r:embed="rId2"/>
           <a:stretch>
             <a:fillRect/>
           </a:stretch>
         </p:blipFill>
         <p:spPr>
           <a:xfrm>
-            <a:off x="0" y="5257577"/>
-            <a:ext cx="5430008" cy="1600423"/>
-          </a:xfrm>
-          <a:prstGeom prst="rect">
-            <a:avLst/>
-          </a:prstGeom>
-        </p:spPr>
-      </p:pic>
-      <p:pic>
-        <p:nvPicPr>
-          <p:cNvPr id="5" name="Picture 4" descr="fork.png"/>
-          <p:cNvPicPr>
-            <a:picLocks noChangeAspect="1"/>
-          </p:cNvPicPr>
-          <p:nvPr/>
-        </p:nvPicPr>
-        <p:blipFill>
-          <a:blip r:embed="rId4" cstate="print"/>
-          <a:stretch>
-            <a:fillRect/>
-          </a:stretch>
-        </p:blipFill>
-        <p:spPr>
-          <a:xfrm>
-            <a:off x="0" y="685800"/>
-            <a:ext cx="9144000" cy="4323854"/>
+            <a:off x="1295400" y="3581400"/>
+            <a:ext cx="6740525" cy="1583055"/>
           </a:xfrm>
           <a:prstGeom prst="rect">
             <a:avLst/>
@@ -4125,8 +4073,8 @@
         </p:nvSpPr>
         <p:spPr>
           <a:xfrm>
-            <a:off x="2171700" y="0"/>
-            <a:ext cx="4800600" cy="1323439"/>
+            <a:off x="2286000" y="0"/>
+            <a:ext cx="4572000" cy="707886"/>
           </a:xfrm>
           <a:prstGeom prst="rect">
             <a:avLst/>
@@ -4145,64 +4093,46 @@
                 <a:solidFill>
                   <a:schemeClr val="bg1"/>
                 </a:solidFill>
-                <a:latin typeface="Algerian" pitchFamily="82" charset="0"/>
+                <a:latin typeface="Algerian" panose="04020705040A02060702" pitchFamily="82" charset="0"/>
               </a:rPr>
-              <a:t>git</a:t>
+              <a:t>Git</a:t>
             </a:r>
             <a:r>
               <a:rPr lang="en-US" sz="4000" b="1" dirty="0" smtClean="0">
                 <a:solidFill>
                   <a:schemeClr val="bg1"/>
                 </a:solidFill>
-                <a:latin typeface="Algerian" pitchFamily="82" charset="0"/>
+                <a:latin typeface="Algerian" panose="04020705040A02060702" pitchFamily="82" charset="0"/>
               </a:rPr>
-              <a:t> </a:t>
-            </a:r>
-            <a:r>
-              <a:rPr lang="en-US" sz="4000" b="1" dirty="0" err="1" smtClean="0">
-                <a:solidFill>
-                  <a:schemeClr val="bg1"/>
-                </a:solidFill>
-                <a:latin typeface="Algerian" pitchFamily="82" charset="0"/>
-              </a:rPr>
-              <a:t>config</a:t>
-            </a:r>
-            <a:r>
-              <a:rPr lang="en-US" sz="4000" b="1" dirty="0" smtClean="0">
-                <a:solidFill>
-                  <a:schemeClr val="bg1"/>
-                </a:solidFill>
-                <a:latin typeface="Algerian" pitchFamily="82" charset="0"/>
-              </a:rPr>
-              <a:t> --list –show-origin</a:t>
+              <a:t> Rebase</a:t>
             </a:r>
             <a:endParaRPr lang="en-US" sz="4000" b="1" dirty="0">
               <a:solidFill>
                 <a:schemeClr val="bg1"/>
               </a:solidFill>
-              <a:latin typeface="Algerian" pitchFamily="82" charset="0"/>
+              <a:latin typeface="Algerian" panose="04020705040A02060702" pitchFamily="82" charset="0"/>
             </a:endParaRPr>
           </a:p>
         </p:txBody>
       </p:sp>
       <p:pic>
         <p:nvPicPr>
-          <p:cNvPr id="3" name="Picture 2" descr="configlistshow .png"/>
+          <p:cNvPr id="3" name="Picture 2" descr="rebase.png"/>
           <p:cNvPicPr>
             <a:picLocks noChangeAspect="1"/>
           </p:cNvPicPr>
           <p:nvPr/>
         </p:nvPicPr>
         <p:blipFill>
-          <a:blip r:embed="rId2" cstate="print"/>
+          <a:blip r:embed="rId1" cstate="print"/>
           <a:stretch>
             <a:fillRect/>
           </a:stretch>
         </p:blipFill>
         <p:spPr>
           <a:xfrm>
-            <a:off x="914400" y="1752600"/>
-            <a:ext cx="7259064" cy="4344007"/>
+            <a:off x="789398" y="2345476"/>
+            <a:ext cx="7565205" cy="2167048"/>
           </a:xfrm>
           <a:prstGeom prst="rect">
             <a:avLst/>
@@ -4249,8 +4179,8 @@
         </p:nvSpPr>
         <p:spPr>
           <a:xfrm>
-            <a:off x="2171700" y="0"/>
-            <a:ext cx="4800600" cy="1323439"/>
+            <a:off x="2286000" y="0"/>
+            <a:ext cx="4572000" cy="707886"/>
           </a:xfrm>
           <a:prstGeom prst="rect">
             <a:avLst/>
@@ -4269,42 +4199,320 @@
                 <a:solidFill>
                   <a:schemeClr val="bg1"/>
                 </a:solidFill>
-                <a:latin typeface="Algerian" pitchFamily="82" charset="0"/>
+                <a:latin typeface="Algerian" panose="04020705040A02060702" pitchFamily="82" charset="0"/>
               </a:rPr>
-              <a:t>git</a:t>
+              <a:t>Git</a:t>
             </a:r>
             <a:r>
               <a:rPr lang="en-US" sz="4000" b="1" dirty="0" smtClean="0">
                 <a:solidFill>
                   <a:schemeClr val="bg1"/>
                 </a:solidFill>
-                <a:latin typeface="Algerian" pitchFamily="82" charset="0"/>
+                <a:latin typeface="Algerian" panose="04020705040A02060702" pitchFamily="82" charset="0"/>
               </a:rPr>
-              <a:t> </a:t>
-            </a:r>
-            <a:r>
-              <a:rPr lang="en-US" sz="4000" b="1" dirty="0" err="1" smtClean="0">
-                <a:solidFill>
-                  <a:schemeClr val="bg1"/>
-                </a:solidFill>
-                <a:latin typeface="Algerian" pitchFamily="82" charset="0"/>
-              </a:rPr>
-              <a:t>config</a:t>
-            </a:r>
-            <a:r>
-              <a:rPr lang="en-US" sz="4000" b="1" dirty="0" smtClean="0">
-                <a:solidFill>
-                  <a:schemeClr val="bg1"/>
-                </a:solidFill>
-                <a:latin typeface="Algerian" pitchFamily="82" charset="0"/>
-              </a:rPr>
-              <a:t> --list –show-scope</a:t>
+              <a:t> fork</a:t>
             </a:r>
             <a:endParaRPr lang="en-US" sz="4000" b="1" dirty="0">
               <a:solidFill>
                 <a:schemeClr val="bg1"/>
               </a:solidFill>
-              <a:latin typeface="Algerian" pitchFamily="82" charset="0"/>
+              <a:latin typeface="Algerian" panose="04020705040A02060702" pitchFamily="82" charset="0"/>
+            </a:endParaRPr>
+          </a:p>
+        </p:txBody>
+      </p:sp>
+      <p:pic>
+        <p:nvPicPr>
+          <p:cNvPr id="3" name="Picture 2" descr="fork1.png"/>
+          <p:cNvPicPr>
+            <a:picLocks noChangeAspect="1"/>
+          </p:cNvPicPr>
+          <p:nvPr/>
+        </p:nvPicPr>
+        <p:blipFill>
+          <a:blip r:embed="rId1" cstate="print"/>
+          <a:stretch>
+            <a:fillRect/>
+          </a:stretch>
+        </p:blipFill>
+        <p:spPr>
+          <a:xfrm>
+            <a:off x="6553200" y="5562600"/>
+            <a:ext cx="2391109" cy="1076475"/>
+          </a:xfrm>
+          <a:prstGeom prst="rect">
+            <a:avLst/>
+          </a:prstGeom>
+        </p:spPr>
+      </p:pic>
+      <p:pic>
+        <p:nvPicPr>
+          <p:cNvPr id="4" name="Picture 3" descr="frok3.png"/>
+          <p:cNvPicPr>
+            <a:picLocks noChangeAspect="1"/>
+          </p:cNvPicPr>
+          <p:nvPr/>
+        </p:nvPicPr>
+        <p:blipFill>
+          <a:blip r:embed="rId2" cstate="print"/>
+          <a:stretch>
+            <a:fillRect/>
+          </a:stretch>
+        </p:blipFill>
+        <p:spPr>
+          <a:xfrm>
+            <a:off x="0" y="5257577"/>
+            <a:ext cx="5430008" cy="1600423"/>
+          </a:xfrm>
+          <a:prstGeom prst="rect">
+            <a:avLst/>
+          </a:prstGeom>
+        </p:spPr>
+      </p:pic>
+      <p:pic>
+        <p:nvPicPr>
+          <p:cNvPr id="5" name="Picture 4" descr="fork.png"/>
+          <p:cNvPicPr>
+            <a:picLocks noChangeAspect="1"/>
+          </p:cNvPicPr>
+          <p:nvPr/>
+        </p:nvPicPr>
+        <p:blipFill>
+          <a:blip r:embed="rId3" cstate="print"/>
+          <a:stretch>
+            <a:fillRect/>
+          </a:stretch>
+        </p:blipFill>
+        <p:spPr>
+          <a:xfrm>
+            <a:off x="0" y="685800"/>
+            <a:ext cx="9144000" cy="4323854"/>
+          </a:xfrm>
+          <a:prstGeom prst="rect">
+            <a:avLst/>
+          </a:prstGeom>
+        </p:spPr>
+      </p:pic>
+    </p:spTree>
+  </p:cSld>
+  <p:clrMapOvr>
+    <a:masterClrMapping/>
+  </p:clrMapOvr>
+  <p:timing>
+    <p:tnLst>
+      <p:par>
+        <p:cTn id="1" dur="indefinite" restart="never" nodeType="tmRoot"/>
+      </p:par>
+    </p:tnLst>
+  </p:timing>
+</p:sld>
+</file>
+
+<file path=ppt/slides/slide16.xml><?xml version="1.0" encoding="utf-8"?>
+<p:sld xmlns:a="http://schemas.openxmlformats.org/drawingml/2006/main" xmlns:r="http://schemas.openxmlformats.org/officeDocument/2006/relationships" xmlns:p="http://schemas.openxmlformats.org/presentationml/2006/main">
+  <p:cSld>
+    <p:spTree>
+      <p:nvGrpSpPr>
+        <p:cNvPr id="1" name=""/>
+        <p:cNvGrpSpPr/>
+        <p:nvPr/>
+      </p:nvGrpSpPr>
+      <p:grpSpPr>
+        <a:xfrm>
+          <a:off x="0" y="0"/>
+          <a:ext cx="0" cy="0"/>
+          <a:chOff x="0" y="0"/>
+          <a:chExt cx="0" cy="0"/>
+        </a:xfrm>
+      </p:grpSpPr>
+      <p:sp>
+        <p:nvSpPr>
+          <p:cNvPr id="2" name="TextBox 1"/>
+          <p:cNvSpPr txBox="1"/>
+          <p:nvPr/>
+        </p:nvSpPr>
+        <p:spPr>
+          <a:xfrm>
+            <a:off x="2171700" y="0"/>
+            <a:ext cx="4800600" cy="1323439"/>
+          </a:xfrm>
+          <a:prstGeom prst="rect">
+            <a:avLst/>
+          </a:prstGeom>
+          <a:noFill/>
+        </p:spPr>
+        <p:txBody>
+          <a:bodyPr wrap="square" rtlCol="0">
+            <a:spAutoFit/>
+          </a:bodyPr>
+          <a:lstStyle/>
+          <a:p>
+            <a:pPr algn="ctr"/>
+            <a:r>
+              <a:rPr lang="en-US" sz="4000" b="1" dirty="0" err="1" smtClean="0">
+                <a:solidFill>
+                  <a:schemeClr val="bg1"/>
+                </a:solidFill>
+                <a:latin typeface="Algerian" panose="04020705040A02060702" pitchFamily="82" charset="0"/>
+              </a:rPr>
+              <a:t>git</a:t>
+            </a:r>
+            <a:r>
+              <a:rPr lang="en-US" sz="4000" b="1" dirty="0" smtClean="0">
+                <a:solidFill>
+                  <a:schemeClr val="bg1"/>
+                </a:solidFill>
+                <a:latin typeface="Algerian" panose="04020705040A02060702" pitchFamily="82" charset="0"/>
+              </a:rPr>
+              <a:t> </a:t>
+            </a:r>
+            <a:r>
+              <a:rPr lang="en-US" sz="4000" b="1" dirty="0" err="1" smtClean="0">
+                <a:solidFill>
+                  <a:schemeClr val="bg1"/>
+                </a:solidFill>
+                <a:latin typeface="Algerian" panose="04020705040A02060702" pitchFamily="82" charset="0"/>
+              </a:rPr>
+              <a:t>config</a:t>
+            </a:r>
+            <a:r>
+              <a:rPr lang="en-US" sz="4000" b="1" dirty="0" smtClean="0">
+                <a:solidFill>
+                  <a:schemeClr val="bg1"/>
+                </a:solidFill>
+                <a:latin typeface="Algerian" panose="04020705040A02060702" pitchFamily="82" charset="0"/>
+              </a:rPr>
+              <a:t> --list –show-origin</a:t>
+            </a:r>
+            <a:endParaRPr lang="en-US" sz="4000" b="1" dirty="0">
+              <a:solidFill>
+                <a:schemeClr val="bg1"/>
+              </a:solidFill>
+              <a:latin typeface="Algerian" panose="04020705040A02060702" pitchFamily="82" charset="0"/>
+            </a:endParaRPr>
+          </a:p>
+        </p:txBody>
+      </p:sp>
+      <p:pic>
+        <p:nvPicPr>
+          <p:cNvPr id="3" name="Picture 2" descr="configlistshow .png"/>
+          <p:cNvPicPr>
+            <a:picLocks noChangeAspect="1"/>
+          </p:cNvPicPr>
+          <p:nvPr/>
+        </p:nvPicPr>
+        <p:blipFill>
+          <a:blip r:embed="rId1" cstate="print"/>
+          <a:stretch>
+            <a:fillRect/>
+          </a:stretch>
+        </p:blipFill>
+        <p:spPr>
+          <a:xfrm>
+            <a:off x="914400" y="1752600"/>
+            <a:ext cx="7259064" cy="4344007"/>
+          </a:xfrm>
+          <a:prstGeom prst="rect">
+            <a:avLst/>
+          </a:prstGeom>
+        </p:spPr>
+      </p:pic>
+    </p:spTree>
+  </p:cSld>
+  <p:clrMapOvr>
+    <a:masterClrMapping/>
+  </p:clrMapOvr>
+  <p:timing>
+    <p:tnLst>
+      <p:par>
+        <p:cTn id="1" dur="indefinite" restart="never" nodeType="tmRoot"/>
+      </p:par>
+    </p:tnLst>
+  </p:timing>
+</p:sld>
+</file>
+
+<file path=ppt/slides/slide17.xml><?xml version="1.0" encoding="utf-8"?>
+<p:sld xmlns:a="http://schemas.openxmlformats.org/drawingml/2006/main" xmlns:r="http://schemas.openxmlformats.org/officeDocument/2006/relationships" xmlns:p="http://schemas.openxmlformats.org/presentationml/2006/main">
+  <p:cSld>
+    <p:spTree>
+      <p:nvGrpSpPr>
+        <p:cNvPr id="1" name=""/>
+        <p:cNvGrpSpPr/>
+        <p:nvPr/>
+      </p:nvGrpSpPr>
+      <p:grpSpPr>
+        <a:xfrm>
+          <a:off x="0" y="0"/>
+          <a:ext cx="0" cy="0"/>
+          <a:chOff x="0" y="0"/>
+          <a:chExt cx="0" cy="0"/>
+        </a:xfrm>
+      </p:grpSpPr>
+      <p:sp>
+        <p:nvSpPr>
+          <p:cNvPr id="2" name="TextBox 1"/>
+          <p:cNvSpPr txBox="1"/>
+          <p:nvPr/>
+        </p:nvSpPr>
+        <p:spPr>
+          <a:xfrm>
+            <a:off x="2171700" y="0"/>
+            <a:ext cx="4800600" cy="1323439"/>
+          </a:xfrm>
+          <a:prstGeom prst="rect">
+            <a:avLst/>
+          </a:prstGeom>
+          <a:noFill/>
+        </p:spPr>
+        <p:txBody>
+          <a:bodyPr wrap="square" rtlCol="0">
+            <a:spAutoFit/>
+          </a:bodyPr>
+          <a:lstStyle/>
+          <a:p>
+            <a:pPr algn="ctr"/>
+            <a:r>
+              <a:rPr lang="en-US" sz="4000" b="1" dirty="0" err="1" smtClean="0">
+                <a:solidFill>
+                  <a:schemeClr val="bg1"/>
+                </a:solidFill>
+                <a:latin typeface="Algerian" panose="04020705040A02060702" pitchFamily="82" charset="0"/>
+              </a:rPr>
+              <a:t>git</a:t>
+            </a:r>
+            <a:r>
+              <a:rPr lang="en-US" sz="4000" b="1" dirty="0" smtClean="0">
+                <a:solidFill>
+                  <a:schemeClr val="bg1"/>
+                </a:solidFill>
+                <a:latin typeface="Algerian" panose="04020705040A02060702" pitchFamily="82" charset="0"/>
+              </a:rPr>
+              <a:t> </a:t>
+            </a:r>
+            <a:r>
+              <a:rPr lang="en-US" sz="4000" b="1" dirty="0" err="1" smtClean="0">
+                <a:solidFill>
+                  <a:schemeClr val="bg1"/>
+                </a:solidFill>
+                <a:latin typeface="Algerian" panose="04020705040A02060702" pitchFamily="82" charset="0"/>
+              </a:rPr>
+              <a:t>config</a:t>
+            </a:r>
+            <a:r>
+              <a:rPr lang="en-US" sz="4000" b="1" dirty="0" smtClean="0">
+                <a:solidFill>
+                  <a:schemeClr val="bg1"/>
+                </a:solidFill>
+                <a:latin typeface="Algerian" panose="04020705040A02060702" pitchFamily="82" charset="0"/>
+              </a:rPr>
+              <a:t> --list –show-scope</a:t>
+            </a:r>
+            <a:endParaRPr lang="en-US" sz="4000" b="1" dirty="0">
+              <a:solidFill>
+                <a:schemeClr val="bg1"/>
+              </a:solidFill>
+              <a:latin typeface="Algerian" panose="04020705040A02060702" pitchFamily="82" charset="0"/>
             </a:endParaRPr>
           </a:p>
         </p:txBody>
@@ -4318,7 +4526,7 @@
           <p:nvPr/>
         </p:nvPicPr>
         <p:blipFill>
-          <a:blip r:embed="rId2" cstate="print"/>
+          <a:blip r:embed="rId1" cstate="print"/>
           <a:stretch>
             <a:fillRect/>
           </a:stretch>
@@ -4374,7 +4582,7 @@
         <p:spPr>
           <a:xfrm>
             <a:off x="2286000" y="0"/>
-            <a:ext cx="4572000" cy="707886"/>
+            <a:ext cx="4572000" cy="1323439"/>
           </a:xfrm>
           <a:prstGeom prst="rect">
             <a:avLst/>
@@ -4389,35 +4597,50 @@
           <a:p>
             <a:pPr algn="ctr"/>
             <a:r>
-              <a:rPr lang="en-US" sz="4000" b="1" dirty="0" err="1" smtClean="0">
+              <a:rPr lang="en-US" sz="4000" b="1" dirty="0" smtClean="0">
                 <a:solidFill>
                   <a:schemeClr val="bg1"/>
                 </a:solidFill>
-                <a:latin typeface="Algerian" pitchFamily="82" charset="0"/>
+                <a:latin typeface="Algerian" panose="04020705040A02060702" pitchFamily="82" charset="0"/>
               </a:rPr>
-              <a:t>Git</a:t>
-            </a:r>
-            <a:r>
-              <a:rPr lang="en-US" sz="4000" b="1" dirty="0" smtClean="0">
-                <a:solidFill>
-                  <a:schemeClr val="bg1"/>
-                </a:solidFill>
-                <a:latin typeface="Algerian" pitchFamily="82" charset="0"/>
-              </a:rPr>
-              <a:t> add</a:t>
+              <a:t>Creating Directory </a:t>
             </a:r>
             <a:endParaRPr lang="en-US" sz="4000" b="1" dirty="0">
               <a:solidFill>
                 <a:schemeClr val="bg1"/>
               </a:solidFill>
-              <a:latin typeface="Algerian" pitchFamily="82" charset="0"/>
+              <a:latin typeface="Algerian" panose="04020705040A02060702" pitchFamily="82" charset="0"/>
             </a:endParaRPr>
           </a:p>
         </p:txBody>
       </p:sp>
       <p:pic>
         <p:nvPicPr>
-          <p:cNvPr id="5" name="Picture 4" descr="add.png"/>
+          <p:cNvPr id="5" name="Picture 4" descr="creating.png"/>
+          <p:cNvPicPr>
+            <a:picLocks noChangeAspect="1"/>
+          </p:cNvPicPr>
+          <p:nvPr/>
+        </p:nvPicPr>
+        <p:blipFill>
+          <a:blip r:embed="rId1" cstate="print"/>
+          <a:stretch>
+            <a:fillRect/>
+          </a:stretch>
+        </p:blipFill>
+        <p:spPr>
+          <a:xfrm>
+            <a:off x="2066575" y="1676400"/>
+            <a:ext cx="5010850" cy="1495634"/>
+          </a:xfrm>
+          <a:prstGeom prst="rect">
+            <a:avLst/>
+          </a:prstGeom>
+        </p:spPr>
+      </p:pic>
+      <p:pic>
+        <p:nvPicPr>
+          <p:cNvPr id="6" name="Picture 5" descr="remote.png"/>
           <p:cNvPicPr>
             <a:picLocks noChangeAspect="1"/>
           </p:cNvPicPr>
@@ -4431,14 +4654,55 @@
         </p:blipFill>
         <p:spPr>
           <a:xfrm>
-            <a:off x="1240601" y="1633457"/>
-            <a:ext cx="6662799" cy="3591086"/>
+            <a:off x="2209800" y="4876651"/>
+            <a:ext cx="4725060" cy="1066949"/>
           </a:xfrm>
           <a:prstGeom prst="rect">
             <a:avLst/>
           </a:prstGeom>
         </p:spPr>
       </p:pic>
+      <p:sp>
+        <p:nvSpPr>
+          <p:cNvPr id="7" name="TextBox 6"/>
+          <p:cNvSpPr txBox="1"/>
+          <p:nvPr/>
+        </p:nvSpPr>
+        <p:spPr>
+          <a:xfrm>
+            <a:off x="2400300" y="3505200"/>
+            <a:ext cx="4343400" cy="1323439"/>
+          </a:xfrm>
+          <a:prstGeom prst="rect">
+            <a:avLst/>
+          </a:prstGeom>
+          <a:noFill/>
+        </p:spPr>
+        <p:txBody>
+          <a:bodyPr wrap="square" rtlCol="0">
+            <a:spAutoFit/>
+          </a:bodyPr>
+          <a:lstStyle/>
+          <a:p>
+            <a:pPr algn="ctr"/>
+            <a:r>
+              <a:rPr lang="en-US" sz="4000" b="1" dirty="0">
+                <a:solidFill>
+                  <a:schemeClr val="bg1"/>
+                </a:solidFill>
+                <a:latin typeface="Algerian" panose="04020705040A02060702" pitchFamily="82" charset="0"/>
+              </a:rPr>
+              <a:t>Connecting to Server</a:t>
+            </a:r>
+            <a:endParaRPr lang="en-US" sz="4000" b="1" dirty="0">
+              <a:solidFill>
+                <a:schemeClr val="bg1"/>
+              </a:solidFill>
+              <a:latin typeface="Algerian" panose="04020705040A02060702" pitchFamily="82" charset="0"/>
+            </a:endParaRPr>
+          </a:p>
+        </p:txBody>
+      </p:sp>
     </p:spTree>
   </p:cSld>
   <p:clrMapOvr>
@@ -4499,7 +4763,7 @@
                 <a:solidFill>
                   <a:schemeClr val="bg1"/>
                 </a:solidFill>
-                <a:latin typeface="Algerian" pitchFamily="82" charset="0"/>
+                <a:latin typeface="Algerian" panose="04020705040A02060702" pitchFamily="82" charset="0"/>
               </a:rPr>
               <a:t>Git</a:t>
             </a:r>
@@ -4508,111 +4772,37 @@
                 <a:solidFill>
                   <a:schemeClr val="bg1"/>
                 </a:solidFill>
-                <a:latin typeface="Algerian" pitchFamily="82" charset="0"/>
+                <a:latin typeface="Algerian" panose="04020705040A02060702" pitchFamily="82" charset="0"/>
               </a:rPr>
-              <a:t> checkout</a:t>
+              <a:t> add</a:t>
             </a:r>
             <a:endParaRPr lang="en-US" sz="4000" b="1" dirty="0">
               <a:solidFill>
                 <a:schemeClr val="bg1"/>
               </a:solidFill>
-              <a:latin typeface="Algerian" pitchFamily="82" charset="0"/>
+              <a:latin typeface="Algerian" panose="04020705040A02060702" pitchFamily="82" charset="0"/>
             </a:endParaRPr>
           </a:p>
         </p:txBody>
       </p:sp>
       <p:pic>
         <p:nvPicPr>
-          <p:cNvPr id="6" name="Picture 5" descr="checkout.png"/>
+          <p:cNvPr id="5" name="Picture 4" descr="add.png"/>
           <p:cNvPicPr>
             <a:picLocks noChangeAspect="1"/>
           </p:cNvPicPr>
           <p:nvPr/>
         </p:nvPicPr>
         <p:blipFill>
-          <a:blip r:embed="rId2" cstate="print"/>
+          <a:blip r:embed="rId1" cstate="print"/>
           <a:stretch>
             <a:fillRect/>
           </a:stretch>
         </p:blipFill>
         <p:spPr>
           <a:xfrm>
-            <a:off x="1458096" y="990600"/>
-            <a:ext cx="6227809" cy="1371600"/>
-          </a:xfrm>
-          <a:prstGeom prst="rect">
-            <a:avLst/>
-          </a:prstGeom>
-        </p:spPr>
-      </p:pic>
-      <p:sp>
-        <p:nvSpPr>
-          <p:cNvPr id="7" name="TextBox 6"/>
-          <p:cNvSpPr txBox="1"/>
-          <p:nvPr/>
-        </p:nvSpPr>
-        <p:spPr>
-          <a:xfrm>
-            <a:off x="2286000" y="2743200"/>
-            <a:ext cx="4572000" cy="707886"/>
-          </a:xfrm>
-          <a:prstGeom prst="rect">
-            <a:avLst/>
-          </a:prstGeom>
-          <a:noFill/>
-        </p:spPr>
-        <p:txBody>
-          <a:bodyPr wrap="square" rtlCol="0">
-            <a:spAutoFit/>
-          </a:bodyPr>
-          <a:lstStyle/>
-          <a:p>
-            <a:pPr algn="ctr"/>
-            <a:r>
-              <a:rPr lang="en-US" sz="4000" b="1" dirty="0" err="1" smtClean="0">
-                <a:solidFill>
-                  <a:schemeClr val="bg1"/>
-                </a:solidFill>
-                <a:latin typeface="Algerian" pitchFamily="82" charset="0"/>
-              </a:rPr>
-              <a:t>Git</a:t>
-            </a:r>
-            <a:r>
-              <a:rPr lang="en-US" sz="4000" b="1" dirty="0" smtClean="0">
-                <a:solidFill>
-                  <a:schemeClr val="bg1"/>
-                </a:solidFill>
-                <a:latin typeface="Algerian" pitchFamily="82" charset="0"/>
-              </a:rPr>
-              <a:t> checkout -b</a:t>
-            </a:r>
-            <a:endParaRPr lang="en-US" sz="4000" b="1" dirty="0">
-              <a:solidFill>
-                <a:schemeClr val="bg1"/>
-              </a:solidFill>
-              <a:latin typeface="Algerian" pitchFamily="82" charset="0"/>
-            </a:endParaRPr>
-          </a:p>
-        </p:txBody>
-      </p:sp>
-      <p:pic>
-        <p:nvPicPr>
-          <p:cNvPr id="8" name="Picture 7" descr="checkout-b.png"/>
-          <p:cNvPicPr>
-            <a:picLocks noChangeAspect="1"/>
-          </p:cNvPicPr>
-          <p:nvPr/>
-        </p:nvPicPr>
-        <p:blipFill>
-          <a:blip r:embed="rId3" cstate="print"/>
-          <a:stretch>
-            <a:fillRect/>
-          </a:stretch>
-        </p:blipFill>
-        <p:spPr>
-          <a:xfrm>
-            <a:off x="2021015" y="3886200"/>
-            <a:ext cx="5101970" cy="1962296"/>
+            <a:off x="1240601" y="1633457"/>
+            <a:ext cx="6662799" cy="3591086"/>
           </a:xfrm>
           <a:prstGeom prst="rect">
             <a:avLst/>
@@ -4679,7 +4869,7 @@
                 <a:solidFill>
                   <a:schemeClr val="bg1"/>
                 </a:solidFill>
-                <a:latin typeface="Algerian" pitchFamily="82" charset="0"/>
+                <a:latin typeface="Algerian" panose="04020705040A02060702" pitchFamily="82" charset="0"/>
               </a:rPr>
               <a:t>Git</a:t>
             </a:r>
@@ -4688,22 +4878,96 @@
                 <a:solidFill>
                   <a:schemeClr val="bg1"/>
                 </a:solidFill>
-                <a:latin typeface="Algerian" pitchFamily="82" charset="0"/>
+                <a:latin typeface="Algerian" panose="04020705040A02060702" pitchFamily="82" charset="0"/>
               </a:rPr>
-              <a:t> clone</a:t>
+              <a:t> checkout</a:t>
             </a:r>
             <a:endParaRPr lang="en-US" sz="4000" b="1" dirty="0">
               <a:solidFill>
                 <a:schemeClr val="bg1"/>
               </a:solidFill>
-              <a:latin typeface="Algerian" pitchFamily="82" charset="0"/>
+              <a:latin typeface="Algerian" panose="04020705040A02060702" pitchFamily="82" charset="0"/>
             </a:endParaRPr>
           </a:p>
         </p:txBody>
       </p:sp>
       <p:pic>
         <p:nvPicPr>
-          <p:cNvPr id="5" name="Picture 4" descr="clone.png"/>
+          <p:cNvPr id="6" name="Picture 5" descr="checkout.png"/>
+          <p:cNvPicPr>
+            <a:picLocks noChangeAspect="1"/>
+          </p:cNvPicPr>
+          <p:nvPr/>
+        </p:nvPicPr>
+        <p:blipFill>
+          <a:blip r:embed="rId1" cstate="print"/>
+          <a:stretch>
+            <a:fillRect/>
+          </a:stretch>
+        </p:blipFill>
+        <p:spPr>
+          <a:xfrm>
+            <a:off x="1458096" y="990600"/>
+            <a:ext cx="6227809" cy="1371600"/>
+          </a:xfrm>
+          <a:prstGeom prst="rect">
+            <a:avLst/>
+          </a:prstGeom>
+        </p:spPr>
+      </p:pic>
+      <p:sp>
+        <p:nvSpPr>
+          <p:cNvPr id="7" name="TextBox 6"/>
+          <p:cNvSpPr txBox="1"/>
+          <p:nvPr/>
+        </p:nvSpPr>
+        <p:spPr>
+          <a:xfrm>
+            <a:off x="2286000" y="2743200"/>
+            <a:ext cx="4572000" cy="707886"/>
+          </a:xfrm>
+          <a:prstGeom prst="rect">
+            <a:avLst/>
+          </a:prstGeom>
+          <a:noFill/>
+        </p:spPr>
+        <p:txBody>
+          <a:bodyPr wrap="square" rtlCol="0">
+            <a:spAutoFit/>
+          </a:bodyPr>
+          <a:lstStyle/>
+          <a:p>
+            <a:pPr algn="ctr"/>
+            <a:r>
+              <a:rPr lang="en-US" sz="4000" b="1" dirty="0" err="1" smtClean="0">
+                <a:solidFill>
+                  <a:schemeClr val="bg1"/>
+                </a:solidFill>
+                <a:latin typeface="Algerian" panose="04020705040A02060702" pitchFamily="82" charset="0"/>
+              </a:rPr>
+              <a:t>Git</a:t>
+            </a:r>
+            <a:r>
+              <a:rPr lang="en-US" sz="4000" b="1" dirty="0" smtClean="0">
+                <a:solidFill>
+                  <a:schemeClr val="bg1"/>
+                </a:solidFill>
+                <a:latin typeface="Algerian" panose="04020705040A02060702" pitchFamily="82" charset="0"/>
+              </a:rPr>
+              <a:t> checkout -b</a:t>
+            </a:r>
+            <a:endParaRPr lang="en-US" sz="4000" b="1" dirty="0">
+              <a:solidFill>
+                <a:schemeClr val="bg1"/>
+              </a:solidFill>
+              <a:latin typeface="Algerian" panose="04020705040A02060702" pitchFamily="82" charset="0"/>
+            </a:endParaRPr>
+          </a:p>
+        </p:txBody>
+      </p:sp>
+      <p:pic>
+        <p:nvPicPr>
+          <p:cNvPr id="8" name="Picture 7" descr="checkout-b.png"/>
           <p:cNvPicPr>
             <a:picLocks noChangeAspect="1"/>
           </p:cNvPicPr>
@@ -4717,8 +4981,8 @@
         </p:blipFill>
         <p:spPr>
           <a:xfrm>
-            <a:off x="256883" y="2014494"/>
-            <a:ext cx="8630235" cy="2573235"/>
+            <a:off x="2021015" y="3886200"/>
+            <a:ext cx="5101970" cy="1962296"/>
           </a:xfrm>
           <a:prstGeom prst="rect">
             <a:avLst/>
@@ -4759,7 +5023,7 @@
       </p:grpSpPr>
       <p:sp>
         <p:nvSpPr>
-          <p:cNvPr id="2" name="TextBox 1"/>
+          <p:cNvPr id="4" name="TextBox 3"/>
           <p:cNvSpPr txBox="1"/>
           <p:nvPr/>
         </p:nvSpPr>
@@ -4785,7 +5049,7 @@
                 <a:solidFill>
                   <a:schemeClr val="bg1"/>
                 </a:solidFill>
-                <a:latin typeface="Algerian" pitchFamily="82" charset="0"/>
+                <a:latin typeface="Algerian" panose="04020705040A02060702" pitchFamily="82" charset="0"/>
               </a:rPr>
               <a:t>Git</a:t>
             </a:r>
@@ -4794,61 +5058,37 @@
                 <a:solidFill>
                   <a:schemeClr val="bg1"/>
                 </a:solidFill>
-                <a:latin typeface="Algerian" pitchFamily="82" charset="0"/>
+                <a:latin typeface="Algerian" panose="04020705040A02060702" pitchFamily="82" charset="0"/>
               </a:rPr>
-              <a:t> commit</a:t>
+              <a:t> clone</a:t>
             </a:r>
             <a:endParaRPr lang="en-US" sz="4000" b="1" dirty="0">
               <a:solidFill>
                 <a:schemeClr val="bg1"/>
               </a:solidFill>
-              <a:latin typeface="Algerian" pitchFamily="82" charset="0"/>
+              <a:latin typeface="Algerian" panose="04020705040A02060702" pitchFamily="82" charset="0"/>
             </a:endParaRPr>
           </a:p>
         </p:txBody>
       </p:sp>
       <p:pic>
         <p:nvPicPr>
-          <p:cNvPr id="3" name="Picture 2" descr="commit.png"/>
+          <p:cNvPr id="5" name="Picture 4" descr="clone.png"/>
           <p:cNvPicPr>
             <a:picLocks noChangeAspect="1"/>
           </p:cNvPicPr>
           <p:nvPr/>
         </p:nvPicPr>
         <p:blipFill>
-          <a:blip r:embed="rId3" cstate="print"/>
+          <a:blip r:embed="rId1" cstate="print"/>
           <a:stretch>
             <a:fillRect/>
           </a:stretch>
         </p:blipFill>
         <p:spPr>
           <a:xfrm>
-            <a:off x="1905000" y="3352800"/>
-            <a:ext cx="5363324" cy="2915057"/>
-          </a:xfrm>
-          <a:prstGeom prst="rect">
-            <a:avLst/>
-          </a:prstGeom>
-        </p:spPr>
-      </p:pic>
-      <p:pic>
-        <p:nvPicPr>
-          <p:cNvPr id="4" name="Picture 3" descr="Commitorg1.png"/>
-          <p:cNvPicPr>
-            <a:picLocks noChangeAspect="1"/>
-          </p:cNvPicPr>
-          <p:nvPr/>
-        </p:nvPicPr>
-        <p:blipFill>
-          <a:blip r:embed="rId4" cstate="print"/>
-          <a:stretch>
-            <a:fillRect/>
-          </a:stretch>
-        </p:blipFill>
-        <p:spPr>
-          <a:xfrm>
-            <a:off x="1636776" y="1143000"/>
-            <a:ext cx="5870448" cy="1828800"/>
+            <a:off x="256883" y="2014494"/>
+            <a:ext cx="8630235" cy="2573235"/>
           </a:xfrm>
           <a:prstGeom prst="rect">
             <a:avLst/>
@@ -4915,7 +5155,7 @@
                 <a:solidFill>
                   <a:schemeClr val="bg1"/>
                 </a:solidFill>
-                <a:latin typeface="Algerian" pitchFamily="82" charset="0"/>
+                <a:latin typeface="Algerian" panose="04020705040A02060702" pitchFamily="82" charset="0"/>
               </a:rPr>
               <a:t>Git</a:t>
             </a:r>
@@ -4924,37 +5164,39 @@
                 <a:solidFill>
                   <a:schemeClr val="bg1"/>
                 </a:solidFill>
-                <a:latin typeface="Algerian" pitchFamily="82" charset="0"/>
+                <a:latin typeface="Algerian" panose="04020705040A02060702" pitchFamily="82" charset="0"/>
               </a:rPr>
-              <a:t> commit-a</a:t>
+              <a:t> commit</a:t>
             </a:r>
             <a:endParaRPr lang="en-US" sz="4000" b="1" dirty="0">
               <a:solidFill>
                 <a:schemeClr val="bg1"/>
               </a:solidFill>
-              <a:latin typeface="Algerian" pitchFamily="82" charset="0"/>
+              <a:latin typeface="Algerian" panose="04020705040A02060702" pitchFamily="82" charset="0"/>
             </a:endParaRPr>
           </a:p>
         </p:txBody>
       </p:sp>
       <p:pic>
         <p:nvPicPr>
-          <p:cNvPr id="3" name="Picture 2" descr="commit.png"/>
+          <p:cNvPr id="5" name="Content Placeholder 4" descr="commit 12"/>
           <p:cNvPicPr>
             <a:picLocks noChangeAspect="1"/>
           </p:cNvPicPr>
-          <p:nvPr/>
+          <p:nvPr>
+            <p:ph sz="half" idx="1"/>
+          </p:nvPr>
         </p:nvPicPr>
         <p:blipFill>
-          <a:blip r:embed="rId2" cstate="print"/>
+          <a:blip r:embed="rId1"/>
           <a:stretch>
             <a:fillRect/>
           </a:stretch>
         </p:blipFill>
         <p:spPr>
           <a:xfrm>
-            <a:off x="1905000" y="3352800"/>
-            <a:ext cx="5363324" cy="2915057"/>
+            <a:off x="1331595" y="1295400"/>
+            <a:ext cx="6710045" cy="1551305"/>
           </a:xfrm>
           <a:prstGeom prst="rect">
             <a:avLst/>
@@ -4963,23 +5205,24 @@
       </p:pic>
       <p:pic>
         <p:nvPicPr>
-          <p:cNvPr id="6" name="Picture 5" descr="Commitorga.png"/>
+          <p:cNvPr id="11" name="Content Placeholder 10" descr="commit 1"/>
           <p:cNvPicPr>
             <a:picLocks noChangeAspect="1"/>
           </p:cNvPicPr>
-          <p:nvPr/>
+          <p:nvPr>
+            <p:ph sz="half" idx="2"/>
+          </p:nvPr>
         </p:nvPicPr>
         <p:blipFill>
-          <a:blip r:embed="rId3" cstate="print"/>
-          <a:srcRect t="46595"/>
+          <a:blip r:embed="rId2"/>
           <a:stretch>
             <a:fillRect/>
           </a:stretch>
         </p:blipFill>
         <p:spPr>
           <a:xfrm>
-            <a:off x="1676400" y="1143000"/>
-            <a:ext cx="5867400" cy="1828800"/>
+            <a:off x="1066800" y="4114800"/>
+            <a:ext cx="7279640" cy="2029460"/>
           </a:xfrm>
           <a:prstGeom prst="rect">
             <a:avLst/>
@@ -5020,7 +5263,7 @@
       </p:grpSpPr>
       <p:sp>
         <p:nvSpPr>
-          <p:cNvPr id="6" name="TextBox 5"/>
+          <p:cNvPr id="2" name="TextBox 1"/>
           <p:cNvSpPr txBox="1"/>
           <p:nvPr/>
         </p:nvSpPr>
@@ -5046,40 +5289,55 @@
                 <a:solidFill>
                   <a:schemeClr val="bg1"/>
                 </a:solidFill>
-                <a:latin typeface="Algerian" pitchFamily="82" charset="0"/>
+                <a:latin typeface="Algerian" panose="04020705040A02060702" pitchFamily="82" charset="0"/>
               </a:rPr>
               <a:t>Git</a:t>
             </a:r>
             <a:r>
-              <a:rPr lang="en-US" sz="4000" b="1" dirty="0">
+              <a:rPr lang="en-US" sz="4000" b="1" dirty="0" smtClean="0">
                 <a:solidFill>
                   <a:schemeClr val="bg1"/>
                 </a:solidFill>
-                <a:latin typeface="Algerian" pitchFamily="82" charset="0"/>
+                <a:latin typeface="Algerian" panose="04020705040A02060702" pitchFamily="82" charset="0"/>
               </a:rPr>
-              <a:t> </a:t>
-            </a:r>
-            <a:r>
-              <a:rPr lang="en-US" sz="4000" b="1" dirty="0" smtClean="0">
-                <a:solidFill>
-                  <a:schemeClr val="bg1"/>
-                </a:solidFill>
-                <a:latin typeface="Algerian" pitchFamily="82" charset="0"/>
-              </a:rPr>
-              <a:t>fetch</a:t>
+              <a:t> commit-a</a:t>
             </a:r>
             <a:endParaRPr lang="en-US" sz="4000" b="1" dirty="0">
               <a:solidFill>
                 <a:schemeClr val="bg1"/>
               </a:solidFill>
-              <a:latin typeface="Algerian" pitchFamily="82" charset="0"/>
+              <a:latin typeface="Algerian" panose="04020705040A02060702" pitchFamily="82" charset="0"/>
             </a:endParaRPr>
           </a:p>
         </p:txBody>
       </p:sp>
       <p:pic>
         <p:nvPicPr>
-          <p:cNvPr id="7" name="Picture 6" descr="fetch.png"/>
+          <p:cNvPr id="3" name="Picture 2" descr="commit.png"/>
+          <p:cNvPicPr>
+            <a:picLocks noChangeAspect="1"/>
+          </p:cNvPicPr>
+          <p:nvPr/>
+        </p:nvPicPr>
+        <p:blipFill>
+          <a:blip r:embed="rId1" cstate="print"/>
+          <a:stretch>
+            <a:fillRect/>
+          </a:stretch>
+        </p:blipFill>
+        <p:spPr>
+          <a:xfrm>
+            <a:off x="1905000" y="3352800"/>
+            <a:ext cx="5363324" cy="2915057"/>
+          </a:xfrm>
+          <a:prstGeom prst="rect">
+            <a:avLst/>
+          </a:prstGeom>
+        </p:spPr>
+      </p:pic>
+      <p:pic>
+        <p:nvPicPr>
+          <p:cNvPr id="6" name="Picture 5" descr="Commitorga.png"/>
           <p:cNvPicPr>
             <a:picLocks noChangeAspect="1"/>
           </p:cNvPicPr>
@@ -5087,14 +5345,15 @@
         </p:nvPicPr>
         <p:blipFill>
           <a:blip r:embed="rId2" cstate="print"/>
+          <a:srcRect t="46595"/>
           <a:stretch>
             <a:fillRect/>
           </a:stretch>
         </p:blipFill>
         <p:spPr>
           <a:xfrm>
-            <a:off x="1219200" y="3886200"/>
-            <a:ext cx="6854590" cy="1600200"/>
+            <a:off x="1676400" y="1143000"/>
+            <a:ext cx="5867400" cy="1828800"/>
           </a:xfrm>
           <a:prstGeom prst="rect">
             <a:avLst/>
@@ -5103,22 +5362,25 @@
       </p:pic>
       <p:pic>
         <p:nvPicPr>
-          <p:cNvPr id="8" name="Picture 7" descr="fetch1.png"/>
+          <p:cNvPr id="5" name="Content Placeholder 4" descr="commit 12"/>
           <p:cNvPicPr>
             <a:picLocks noChangeAspect="1"/>
           </p:cNvPicPr>
-          <p:nvPr/>
+          <p:nvPr>
+            <p:ph sz="half" idx="1"/>
+          </p:nvPr>
         </p:nvPicPr>
         <p:blipFill>
-          <a:blip r:embed="rId3" cstate="print"/>
+          <a:blip r:embed="rId3"/>
+          <a:srcRect t="33606" b="7777"/>
           <a:stretch>
             <a:fillRect/>
           </a:stretch>
         </p:blipFill>
         <p:spPr>
           <a:xfrm>
-            <a:off x="-1" y="1143000"/>
-            <a:ext cx="9142627" cy="1828800"/>
+            <a:off x="1678305" y="1828800"/>
+            <a:ext cx="5865495" cy="909320"/>
           </a:xfrm>
           <a:prstGeom prst="rect">
             <a:avLst/>
@@ -5159,7 +5421,7 @@
       </p:grpSpPr>
       <p:sp>
         <p:nvSpPr>
-          <p:cNvPr id="2" name="TextBox 1"/>
+          <p:cNvPr id="6" name="TextBox 5"/>
           <p:cNvSpPr txBox="1"/>
           <p:nvPr/>
         </p:nvSpPr>
@@ -5185,46 +5447,82 @@
                 <a:solidFill>
                   <a:schemeClr val="bg1"/>
                 </a:solidFill>
-                <a:latin typeface="Algerian" pitchFamily="82" charset="0"/>
+                <a:latin typeface="Algerian" panose="04020705040A02060702" pitchFamily="82" charset="0"/>
               </a:rPr>
               <a:t>Git</a:t>
             </a:r>
             <a:r>
+              <a:rPr lang="en-US" sz="4000" b="1" dirty="0">
+                <a:solidFill>
+                  <a:schemeClr val="bg1"/>
+                </a:solidFill>
+                <a:latin typeface="Algerian" panose="04020705040A02060702" pitchFamily="82" charset="0"/>
+              </a:rPr>
+              <a:t> </a:t>
+            </a:r>
+            <a:r>
               <a:rPr lang="en-US" sz="4000" b="1" dirty="0" smtClean="0">
                 <a:solidFill>
                   <a:schemeClr val="bg1"/>
                 </a:solidFill>
-                <a:latin typeface="Algerian" pitchFamily="82" charset="0"/>
+                <a:latin typeface="Algerian" panose="04020705040A02060702" pitchFamily="82" charset="0"/>
               </a:rPr>
-              <a:t> merge</a:t>
+              <a:t>fetch</a:t>
             </a:r>
             <a:endParaRPr lang="en-US" sz="4000" b="1" dirty="0">
               <a:solidFill>
                 <a:schemeClr val="bg1"/>
               </a:solidFill>
-              <a:latin typeface="Algerian" pitchFamily="82" charset="0"/>
+              <a:latin typeface="Algerian" panose="04020705040A02060702" pitchFamily="82" charset="0"/>
             </a:endParaRPr>
           </a:p>
         </p:txBody>
       </p:sp>
       <p:pic>
         <p:nvPicPr>
-          <p:cNvPr id="3" name="Picture 2" descr="merge.png"/>
+          <p:cNvPr id="8" name="Picture 7" descr="fetch1.png"/>
           <p:cNvPicPr>
             <a:picLocks noChangeAspect="1"/>
           </p:cNvPicPr>
           <p:nvPr/>
         </p:nvPicPr>
         <p:blipFill>
-          <a:blip r:embed="rId2" cstate="print"/>
+          <a:blip r:embed="rId1" cstate="print"/>
           <a:stretch>
             <a:fillRect/>
           </a:stretch>
         </p:blipFill>
         <p:spPr>
           <a:xfrm>
-            <a:off x="2100147" y="2057336"/>
-            <a:ext cx="4943706" cy="2743328"/>
+            <a:off x="-1" y="1143000"/>
+            <a:ext cx="9142627" cy="1828800"/>
+          </a:xfrm>
+          <a:prstGeom prst="rect">
+            <a:avLst/>
+          </a:prstGeom>
+        </p:spPr>
+      </p:pic>
+      <p:pic>
+        <p:nvPicPr>
+          <p:cNvPr id="4" name="Content Placeholder 3" descr="fetch12"/>
+          <p:cNvPicPr>
+            <a:picLocks noChangeAspect="1"/>
+          </p:cNvPicPr>
+          <p:nvPr>
+            <p:ph idx="1"/>
+          </p:nvPr>
+        </p:nvPicPr>
+        <p:blipFill>
+          <a:blip r:embed="rId2"/>
+          <a:srcRect t="21426"/>
+          <a:stretch>
+            <a:fillRect/>
+          </a:stretch>
+        </p:blipFill>
+        <p:spPr>
+          <a:xfrm>
+            <a:off x="635" y="2362200"/>
+            <a:ext cx="9144000" cy="2407920"/>
           </a:xfrm>
           <a:prstGeom prst="rect">
             <a:avLst/>
@@ -5265,14 +5563,14 @@
       </p:grpSpPr>
       <p:sp>
         <p:nvSpPr>
-          <p:cNvPr id="2" name="TextBox 1"/>
+          <p:cNvPr id="6" name="TextBox 5"/>
           <p:cNvSpPr txBox="1"/>
           <p:nvPr/>
         </p:nvSpPr>
         <p:spPr>
           <a:xfrm>
             <a:off x="2286000" y="0"/>
-            <a:ext cx="4572000" cy="707886"/>
+            <a:ext cx="4572000" cy="706755"/>
           </a:xfrm>
           <a:prstGeom prst="rect">
             <a:avLst/>
@@ -5291,46 +5589,57 @@
                 <a:solidFill>
                   <a:schemeClr val="bg1"/>
                 </a:solidFill>
-                <a:latin typeface="Algerian" pitchFamily="82" charset="0"/>
+                <a:latin typeface="Algerian" panose="04020705040A02060702" pitchFamily="82" charset="0"/>
               </a:rPr>
               <a:t>Git</a:t>
             </a:r>
             <a:r>
+              <a:rPr lang="en-US" sz="4000" b="1" dirty="0">
+                <a:solidFill>
+                  <a:schemeClr val="bg1"/>
+                </a:solidFill>
+                <a:latin typeface="Algerian" panose="04020705040A02060702" pitchFamily="82" charset="0"/>
+              </a:rPr>
+              <a:t> </a:t>
+            </a:r>
+            <a:r>
               <a:rPr lang="en-US" sz="4000" b="1" dirty="0" smtClean="0">
                 <a:solidFill>
                   <a:schemeClr val="bg1"/>
                 </a:solidFill>
-                <a:latin typeface="Algerian" pitchFamily="82" charset="0"/>
+                <a:latin typeface="Algerian" panose="04020705040A02060702" pitchFamily="82" charset="0"/>
               </a:rPr>
-              <a:t> pull</a:t>
+              <a:t>fetch -all</a:t>
             </a:r>
             <a:endParaRPr lang="en-US" sz="4000" b="1" dirty="0">
               <a:solidFill>
                 <a:schemeClr val="bg1"/>
               </a:solidFill>
-              <a:latin typeface="Algerian" pitchFamily="82" charset="0"/>
+              <a:latin typeface="Algerian" panose="04020705040A02060702" pitchFamily="82" charset="0"/>
             </a:endParaRPr>
           </a:p>
         </p:txBody>
       </p:sp>
       <p:pic>
         <p:nvPicPr>
-          <p:cNvPr id="3" name="Picture 2" descr="pull1.png"/>
+          <p:cNvPr id="3" name="Content Placeholder 2" descr="fetch12"/>
           <p:cNvPicPr>
             <a:picLocks noChangeAspect="1"/>
           </p:cNvPicPr>
-          <p:nvPr/>
+          <p:nvPr>
+            <p:ph idx="1"/>
+          </p:nvPr>
         </p:nvPicPr>
         <p:blipFill>
-          <a:blip r:embed="rId2" cstate="print"/>
+          <a:blip r:embed="rId1"/>
           <a:stretch>
             <a:fillRect/>
           </a:stretch>
         </p:blipFill>
         <p:spPr>
           <a:xfrm>
-            <a:off x="990600" y="1981200"/>
-            <a:ext cx="7245432" cy="2409928"/>
+            <a:off x="823595" y="1905000"/>
+            <a:ext cx="7496810" cy="2195195"/>
           </a:xfrm>
           <a:prstGeom prst="rect">
             <a:avLst/>
@@ -5630,8 +5939,11 @@
       </a:bgFillStyleLst>
     </a:fmtScheme>
   </a:themeElements>
-  <a:objectDefaults/>
-  <a:extraClrSchemeLst/>
+  <a:extLst>
+    <a:ext uri="{05A4C25C-085E-4340-85A3-A5531E510DB2}">
+      <thm15:themeFamily xmlns:thm15="http://schemas.microsoft.com/office/thememl/2012/main" name="Office Theme" id="{62F939B6-93AF-4DB8-9C6B-D6C7DFDC589F}" vid="{4A3C46E8-61CC-4603-A589-7422A47A8E4A}"/>
+    </a:ext>
+  </a:extLst>
 </a:theme>
 </file>
 
@@ -5913,7 +6225,10 @@
       </a:bgFillStyleLst>
     </a:fmtScheme>
   </a:themeElements>
-  <a:objectDefaults/>
-  <a:extraClrSchemeLst/>
+  <a:extLst>
+    <a:ext uri="{05A4C25C-085E-4340-85A3-A5531E510DB2}">
+      <thm15:themeFamily xmlns:thm15="http://schemas.microsoft.com/office/thememl/2012/main" name="Office Theme" id="{62F939B6-93AF-4DB8-9C6B-D6C7DFDC589F}" vid="{4A3C46E8-61CC-4603-A589-7422A47A8E4A}"/>
+    </a:ext>
+  </a:extLst>
 </a:theme>
 </file>